--- a/powerpoints/test2.pptx
+++ b/powerpoints/test2.pptx
@@ -6,10 +6,9 @@
   </p:sldMasterIdLst>
   <p:sldIdLst>
     <p:sldId id="259" r:id="rId5"/>
+    <p:sldId id="261" r:id="rId11"/>
+    <p:sldId id="262" r:id="rId12"/>
     <p:sldId id="260" r:id="rId6"/>
-    <p:sldId id="261" r:id="rId7"/>
-    <p:sldId id="262" r:id="rId8"/>
-    <p:sldId id="263" r:id="rId13"/>
   </p:sldIdLst>
   <p:sldSz cx="6858000" cy="9144000" type="letter"/>
   <p:notesSz cx="6858000" cy="9144000"/>
@@ -235,7 +234,7 @@
             <a:fld id="{FDCA904F-AFE4-4F4A-AA13-CC2FD407ABB0}" type="datetimeFigureOut">
               <a:rPr lang="fr-CA" smtClean="0"/>
               <a:pPr/>
-              <a:t>2023-07-03</a:t>
+              <a:t>2023-07-09</a:t>
             </a:fld>
             <a:endParaRPr lang="fr-CA" dirty="0"/>
           </a:p>
@@ -1619,7 +1618,7 @@
             <a:fld id="{FDCA904F-AFE4-4F4A-AA13-CC2FD407ABB0}" type="datetimeFigureOut">
               <a:rPr lang="fr-CA" smtClean="0"/>
               <a:pPr/>
-              <a:t>2023-07-03</a:t>
+              <a:t>2023-07-09</a:t>
             </a:fld>
             <a:endParaRPr lang="fr-CA" dirty="0"/>
           </a:p>
@@ -2226,6 +2225,347 @@
           </a:p>
         </p:txBody>
       </p:sp>
+      <p:sp>
+        <p:nvSpPr>
+          <p:cNvPr id="9" name="TextBox 8"/>
+          <p:cNvSpPr txBox="1"/>
+          <p:nvPr/>
+        </p:nvSpPr>
+        <p:spPr>
+          <a:xfrm>
+            <a:off x="138545" y="3000000"/>
+            <a:ext cx="6858000" cy="274320"/>
+          </a:xfrm>
+          <a:prstGeom prst="rect">
+            <a:avLst/>
+          </a:prstGeom>
+          <a:noFill/>
+        </p:spPr>
+        <p:txBody>
+          <a:bodyPr wrap="none">
+            <a:spAutoFit/>
+          </a:bodyPr>
+          <a:lstStyle/>
+          <a:p>
+            <a:pPr>
+              <a:defRPr sz="1100" b="1">
+                <a:solidFill>
+                  <a:schemeClr val="accent6"/>
+                </a:solidFill>
+              </a:defRPr>
+            </a:pPr>
+            <a:r>
+              <a:t>Qu’est-ce que l’informatique de périphérie ?</a:t>
+            </a:r>
+          </a:p>
+        </p:txBody>
+      </p:sp>
+      <p:sp>
+        <p:nvSpPr>
+          <p:cNvPr id="10" name="TextBox 9"/>
+          <p:cNvSpPr txBox="1"/>
+          <p:nvPr/>
+        </p:nvSpPr>
+        <p:spPr>
+          <a:xfrm>
+            <a:off x="0" y="3274320"/>
+            <a:ext cx="6858000" cy="1032348"/>
+          </a:xfrm>
+          <a:prstGeom prst="rect">
+            <a:avLst/>
+          </a:prstGeom>
+          <a:noFill/>
+        </p:spPr>
+        <p:txBody>
+          <a:bodyPr wrap="none">
+            <a:spAutoFit/>
+          </a:bodyPr>
+          <a:lstStyle/>
+          <a:p>
+            <a:pPr algn="ctr">
+              <a:defRPr sz="1000"/>
+            </a:pPr>
+            <a:r>
+              <a:t>L’informatique de périphérie, ou Edge Computing, est un paradigme informatique visant à rendre</a:t>
+            </a:r>
+            <a:br/>
+            <a:r>
+              <a:t>plus efficace les systèmes utilisant l’infonuagique. Alors que la tendance chez les grandes</a:t>
+            </a:r>
+            <a:br/>
+            <a:r>
+              <a:t>entreprises est généralement de centraliser les infrastructures informatiques sur un serveur dans</a:t>
+            </a:r>
+            <a:br/>
+            <a:r>
+              <a:t>le nuage¹, l’informatique de périphérie consiste plutôt à traiter les données à proximité de leur</a:t>
+            </a:r>
+            <a:br/>
+            <a:r>
+              <a:t>source. Cela a plusieurs avantages tels qu’un temps de réponse plus rapide, une moins grande</a:t>
+            </a:r>
+            <a:br/>
+            <a:r>
+              <a:t>dépendance au réseau et une utilisation plus économique de la bande passante.</a:t>
+            </a:r>
+          </a:p>
+        </p:txBody>
+      </p:sp>
+      <p:sp>
+        <p:nvSpPr>
+          <p:cNvPr id="11" name="TextBox 10"/>
+          <p:cNvSpPr txBox="1"/>
+          <p:nvPr/>
+        </p:nvSpPr>
+        <p:spPr>
+          <a:xfrm>
+            <a:off x="138545" y="4306668"/>
+            <a:ext cx="6858000" cy="274320"/>
+          </a:xfrm>
+          <a:prstGeom prst="rect">
+            <a:avLst/>
+          </a:prstGeom>
+          <a:noFill/>
+        </p:spPr>
+        <p:txBody>
+          <a:bodyPr wrap="none">
+            <a:spAutoFit/>
+          </a:bodyPr>
+          <a:lstStyle/>
+          <a:p>
+            <a:pPr>
+              <a:defRPr sz="1100" b="1">
+                <a:solidFill>
+                  <a:schemeClr val="accent6"/>
+                </a:solidFill>
+              </a:defRPr>
+            </a:pPr>
+            <a:r>
+              <a:t>Pourquoi est-ce nécessaire ?</a:t>
+            </a:r>
+          </a:p>
+        </p:txBody>
+      </p:sp>
+      <p:sp>
+        <p:nvSpPr>
+          <p:cNvPr id="12" name="TextBox 11"/>
+          <p:cNvSpPr txBox="1"/>
+          <p:nvPr/>
+        </p:nvSpPr>
+        <p:spPr>
+          <a:xfrm>
+            <a:off x="0" y="4580988"/>
+            <a:ext cx="6858000" cy="1922571"/>
+          </a:xfrm>
+          <a:prstGeom prst="rect">
+            <a:avLst/>
+          </a:prstGeom>
+          <a:noFill/>
+        </p:spPr>
+        <p:txBody>
+          <a:bodyPr wrap="none">
+            <a:spAutoFit/>
+          </a:bodyPr>
+          <a:lstStyle/>
+          <a:p>
+            <a:pPr algn="ctr">
+              <a:defRPr sz="1000"/>
+            </a:pPr>
+            <a:r>
+              <a:t>Malgré qu’Internet soit très rapide, car les données voyagent à la vitesse de la lumière, ce</a:t>
+            </a:r>
+            <a:br/>
+            <a:r>
+              <a:t>n’est pas instantané, et sur de longues distances, cela peut impacter la vitesse de traitement de</a:t>
+            </a:r>
+            <a:br/>
+            <a:r>
+              <a:t>l’information. Certains usages de l’informatique nécessitent un temps de réponse presque</a:t>
+            </a:r>
+            <a:br/>
+            <a:r>
+              <a:t>instantané et ne peuvent pas supporter qu’il y ait de la latence. Pour pallier cela, des</a:t>
+            </a:r>
+            <a:br/>
+            <a:r>
+              <a:t>entreprises vont installer des machines en périphérie. C’est-à-dire qu’au lieu d’utiliser un</a:t>
+            </a:r>
+            <a:br/>
+            <a:r>
+              <a:t>serveur central, il y a un serveur à proximité de chaque infrastructure. L’informatique de</a:t>
+            </a:r>
+            <a:br/>
+            <a:r>
+              <a:t>périphérie est utile dans différents cas, notamment pour les entreprises qui ont des services</a:t>
+            </a:r>
+            <a:br/>
+            <a:r>
+              <a:t>numériques éparpillés dans plusieurs endroits et qui veulent que leurs services soient</a:t>
+            </a:r>
+            <a:br/>
+            <a:r>
+              <a:t>extrêmement rapides peu importe l’emplacement de l’utilisateur. Au lieu que les données soient</a:t>
+            </a:r>
+            <a:br/>
+            <a:r>
+              <a:t>toujours envoyées sur un serveur central, qui est potentiellement éloigné géographiquement, les</a:t>
+            </a:r>
+            <a:br/>
+            <a:r>
+              <a:t>données sont traitées sur une machine à proximité, évitant de devoir traverser de longues</a:t>
+            </a:r>
+            <a:br/>
+            <a:r>
+              <a:t>distances et réduisant la latence dans le traitement de l’information.</a:t>
+            </a:r>
+          </a:p>
+        </p:txBody>
+      </p:sp>
+      <p:sp>
+        <p:nvSpPr>
+          <p:cNvPr id="6" name="Titre 1">
+            <a:extLst>
+              <a:ext uri="{FF2B5EF4-FFF2-40B4-BE49-F238E27FC236}">
+                <a16:creationId xmlns:a16="http://schemas.microsoft.com/office/drawing/2014/main" id="{DA4E421B-11A3-6F02-9FCE-F06DFBD9EFE3}"/>
+              </a:ext>
+            </a:extLst>
+          </p:cNvPr>
+          <p:cNvSpPr txBox="1">
+            <a:spLocks/>
+          </p:cNvSpPr>
+          <p:nvPr/>
+        </p:nvSpPr>
+        <p:spPr>
+          <a:xfrm>
+            <a:off x="150090" y="6518559"/>
+            <a:ext cx="6557819" cy="400000"/>
+          </a:xfrm>
+          <a:prstGeom prst="rect">
+            <a:avLst/>
+          </a:prstGeom>
+          <a:blipFill>
+            <a:blip r:embed="rId4"/>
+            <a:stretch>
+              <a:fillRect/>
+            </a:stretch>
+          </a:blipFill>
+        </p:spPr>
+        <p:txBody>
+          <a:bodyPr vert="horz" lIns="91440" tIns="45720" rIns="91440" bIns="45720" rtlCol="0" anchor="ctr">
+            <a:normAutofit/>
+          </a:bodyPr>
+          <a:lstStyle>
+            <a:lvl1pPr defTabSz="514337">
+              <a:lnSpc>
+                <a:spcPct val="90000"/>
+              </a:lnSpc>
+              <a:spcBef>
+                <a:spcPct val="0"/>
+              </a:spcBef>
+              <a:buNone/>
+              <a:defRPr sz="2475" b="1">
+                <a:solidFill>
+                  <a:schemeClr val="accent1"/>
+                </a:solidFill>
+                <a:latin typeface="+mj-lt"/>
+                <a:ea typeface="+mj-ea"/>
+                <a:cs typeface="+mj-cs"/>
+              </a:defRPr>
+            </a:lvl1pPr>
+          </a:lstStyle>
+          <a:p>
+            <a:pPr>
+              <a:defRPr b="1" i="1">
+                <a:solidFill>
+                  <a:schemeClr val="bg1"/>
+                </a:solidFill>
+              </a:defRPr>
+            </a:pPr>
+            <a:r>
+              <a:t>Canada</a:t>
+            </a:r>
+          </a:p>
+        </p:txBody>
+      </p:sp>
+      <p:sp>
+        <p:nvSpPr>
+          <p:cNvPr id="13" name="TextBox 12"/>
+          <p:cNvSpPr txBox="1"/>
+          <p:nvPr/>
+        </p:nvSpPr>
+        <p:spPr>
+          <a:xfrm>
+            <a:off x="0" y="6933559"/>
+            <a:ext cx="6858000" cy="2059786"/>
+          </a:xfrm>
+          <a:prstGeom prst="rect">
+            <a:avLst/>
+          </a:prstGeom>
+          <a:noFill/>
+        </p:spPr>
+        <p:txBody>
+          <a:bodyPr wrap="none">
+            <a:spAutoFit/>
+          </a:bodyPr>
+          <a:lstStyle/>
+          <a:p>
+            <a:pPr algn="ctr">
+              <a:defRPr sz="1000"/>
+            </a:pPr>
+            <a:r>
+              <a:t>CENGN, une organisation basée à Ottawa, possède une serre intelligente en Ontario qui utilise</a:t>
+            </a:r>
+            <a:br/>
+            <a:r>
+              <a:t>l’Internet des objets pour s’automatiser, servant de laboratoire pour que les compagnies œuvrant</a:t>
+            </a:r>
+            <a:br/>
+            <a:r>
+              <a:t>dans le domaine des technologies de l’agriculture puissent prototyper². L’infrastructure récolte</a:t>
+            </a:r>
+            <a:br/>
+            <a:r>
+              <a:t>constamment des données comme l’humidité, la température et des images provenant d’objets</a:t>
+            </a:r>
+            <a:br/>
+            <a:r>
+              <a:t>connectés. Le CENGN utilise l’informatique de périphérie pour traiter ces données sur des</a:t>
+            </a:r>
+            <a:br/>
+            <a:r>
+              <a:t>serveurs mis en place directement sur le site de la serre. Les serveurs utilisent ces données</a:t>
+            </a:r>
+            <a:br/>
+            <a:r>
+              <a:t>pour prendre une décision et renvoie une réponse aux objets connectés en conséquence. Malgré que</a:t>
+            </a:r>
+            <a:br/>
+            <a:r>
+              <a:t>ce ne soit qu’un prototype, l’organisation croit que les futures serres intelligentes utiliseront</a:t>
+            </a:r>
+            <a:br/>
+            <a:r>
+              <a:t>l’informatique de périphérie plutôt que d’utiliser un fournisseur infonuagique certainement situé</a:t>
+            </a:r>
+            <a:br/>
+            <a:r>
+              <a:t>plus loin géographiquement. Au lieu que les données fassent des aller-retours sur de longues</a:t>
+            </a:r>
+            <a:br/>
+            <a:r>
+              <a:t>distances, cela fait en sorte que les données provenant des capteurs de la serre ont une très</a:t>
+            </a:r>
+            <a:br/>
+            <a:r>
+              <a:t>petite distance à parcourir avant d’être analysés, donc une plus petite latence et une</a:t>
+            </a:r>
+            <a:br/>
+            <a:r>
+              <a:t>utilisation moins gourmande du réseau.</a:t>
+            </a:r>
+          </a:p>
+        </p:txBody>
+      </p:sp>
     </p:spTree>
     <p:extLst>
       <p:ext uri="{BB962C8B-B14F-4D97-AF65-F5344CB8AC3E}">
@@ -2258,913 +2598,1417 @@
       </p:grpSpPr>
       <p:sp>
         <p:nvSpPr>
-          <p:cNvPr id="2" name="Titre 1">
+          <p:cNvPr id="3" name="Espace réservé du contenu 4">
             <a:extLst>
               <a:ext uri="{FF2B5EF4-FFF2-40B4-BE49-F238E27FC236}">
-                <a16:creationId xmlns:a16="http://schemas.microsoft.com/office/drawing/2014/main" id="{486D4E87-2BC6-989D-C31B-C94C23654F8A}"/>
+                <a16:creationId xmlns:a16="http://schemas.microsoft.com/office/drawing/2014/main" id="{17836FF2-443C-DD1C-FB6F-D9F998B642E4}"/>
               </a:ext>
             </a:extLst>
           </p:cNvPr>
-          <p:cNvSpPr>
-            <a:spLocks noGrp="1"/>
+          <p:cNvSpPr txBox="1">
+            <a:spLocks/>
           </p:cNvSpPr>
           <p:nvPr>
-            <p:ph type="title"/>
+            <p:custDataLst>
+              <p:tags r:id="rId1"/>
+            </p:custDataLst>
           </p:nvPr>
         </p:nvSpPr>
         <p:spPr>
           <a:xfrm>
-            <a:off x="138545" y="115000"/>
-            <a:ext cx="6557819" cy="400000"/>
+            <a:off x="300181" y="1452518"/>
+            <a:ext cx="6557819" cy="5232169"/>
           </a:xfrm>
+          <a:prstGeom prst="rect">
+            <a:avLst/>
+          </a:prstGeom>
         </p:spPr>
         <p:txBody>
-          <a:bodyPr>
-            <a:normAutofit fontScale="90000"/>
+          <a:bodyPr lIns="91440" tIns="45720" rIns="91440" bIns="45720" numCol="2" anchor="t">
+            <a:noAutofit/>
           </a:bodyPr>
-          <a:lstStyle/>
-          <a:p>
-            <a:pPr>
-              <a:defRPr b="1" i="1">
-                <a:solidFill>
-                  <a:schemeClr val="bg1"/>
-                </a:solidFill>
+          <a:lstStyle>
+            <a:lvl1pPr marL="128585" indent="-128585" algn="l" defTabSz="514337" rtl="0" eaLnBrk="1" latinLnBrk="0" hangingPunct="1">
+              <a:lnSpc>
+                <a:spcPct val="90000"/>
+              </a:lnSpc>
+              <a:spcBef>
+                <a:spcPts val="563"/>
+              </a:spcBef>
+              <a:buClr>
+                <a:schemeClr val="accent2"/>
+              </a:buClr>
+              <a:buFont typeface="Arial" panose="020B0604020202020204" pitchFamily="34" charset="0"/>
+              <a:buChar char="•"/>
+              <a:defRPr sz="1575" kern="1200">
+                <a:solidFill>
+                  <a:schemeClr val="tx1"/>
+                </a:solidFill>
+                <a:latin typeface="+mn-lt"/>
+                <a:ea typeface="+mn-ea"/>
+                <a:cs typeface="+mn-cs"/>
               </a:defRPr>
-            </a:pPr>
-            <a:r>
-              <a:t>Canada</a:t>
-            </a:r>
+            </a:lvl1pPr>
+            <a:lvl2pPr marL="385754" indent="-128585" algn="l" defTabSz="514337" rtl="0" eaLnBrk="1" latinLnBrk="0" hangingPunct="1">
+              <a:lnSpc>
+                <a:spcPct val="90000"/>
+              </a:lnSpc>
+              <a:spcBef>
+                <a:spcPts val="281"/>
+              </a:spcBef>
+              <a:buClr>
+                <a:schemeClr val="accent5"/>
+              </a:buClr>
+              <a:buFont typeface="Arial" panose="020B0604020202020204" pitchFamily="34" charset="0"/>
+              <a:buChar char="•"/>
+              <a:defRPr sz="1350" kern="1200">
+                <a:solidFill>
+                  <a:schemeClr val="tx1"/>
+                </a:solidFill>
+                <a:latin typeface="+mn-lt"/>
+                <a:ea typeface="+mn-ea"/>
+                <a:cs typeface="+mn-cs"/>
+              </a:defRPr>
+            </a:lvl2pPr>
+            <a:lvl3pPr marL="642922" indent="-128585" algn="l" defTabSz="514337" rtl="0" eaLnBrk="1" latinLnBrk="0" hangingPunct="1">
+              <a:lnSpc>
+                <a:spcPct val="90000"/>
+              </a:lnSpc>
+              <a:spcBef>
+                <a:spcPts val="281"/>
+              </a:spcBef>
+              <a:buClr>
+                <a:schemeClr val="accent6"/>
+              </a:buClr>
+              <a:buFont typeface="Arial" panose="020B0604020202020204" pitchFamily="34" charset="0"/>
+              <a:buChar char="•"/>
+              <a:defRPr sz="1125" kern="1200">
+                <a:solidFill>
+                  <a:schemeClr val="tx1"/>
+                </a:solidFill>
+                <a:latin typeface="+mn-lt"/>
+                <a:ea typeface="+mn-ea"/>
+                <a:cs typeface="+mn-cs"/>
+              </a:defRPr>
+            </a:lvl3pPr>
+            <a:lvl4pPr marL="900091" indent="-128585" algn="l" defTabSz="514337" rtl="0" eaLnBrk="1" latinLnBrk="0" hangingPunct="1">
+              <a:lnSpc>
+                <a:spcPct val="90000"/>
+              </a:lnSpc>
+              <a:spcBef>
+                <a:spcPts val="281"/>
+              </a:spcBef>
+              <a:buClr>
+                <a:schemeClr val="accent6">
+                  <a:lumMod val="60000"/>
+                  <a:lumOff val="40000"/>
+                </a:schemeClr>
+              </a:buClr>
+              <a:buFont typeface="Arial" panose="020B0604020202020204" pitchFamily="34" charset="0"/>
+              <a:buChar char="•"/>
+              <a:defRPr sz="1013" kern="1200">
+                <a:solidFill>
+                  <a:schemeClr val="tx1"/>
+                </a:solidFill>
+                <a:latin typeface="+mn-lt"/>
+                <a:ea typeface="+mn-ea"/>
+                <a:cs typeface="+mn-cs"/>
+              </a:defRPr>
+            </a:lvl4pPr>
+            <a:lvl5pPr marL="1157259" indent="-128585" algn="l" defTabSz="514337" rtl="0" eaLnBrk="1" latinLnBrk="0" hangingPunct="1">
+              <a:lnSpc>
+                <a:spcPct val="90000"/>
+              </a:lnSpc>
+              <a:spcBef>
+                <a:spcPts val="281"/>
+              </a:spcBef>
+              <a:buClr>
+                <a:schemeClr val="accent6">
+                  <a:lumMod val="40000"/>
+                  <a:lumOff val="60000"/>
+                </a:schemeClr>
+              </a:buClr>
+              <a:buFont typeface="Arial" panose="020B0604020202020204" pitchFamily="34" charset="0"/>
+              <a:buChar char="•"/>
+              <a:defRPr sz="1013" kern="1200">
+                <a:solidFill>
+                  <a:schemeClr val="tx1"/>
+                </a:solidFill>
+                <a:latin typeface="+mn-lt"/>
+                <a:ea typeface="+mn-ea"/>
+                <a:cs typeface="+mn-cs"/>
+              </a:defRPr>
+            </a:lvl5pPr>
+            <a:lvl6pPr marL="1414428" indent="-128585" algn="l" defTabSz="514337" rtl="0" eaLnBrk="1" latinLnBrk="0" hangingPunct="1">
+              <a:lnSpc>
+                <a:spcPct val="90000"/>
+              </a:lnSpc>
+              <a:spcBef>
+                <a:spcPts val="281"/>
+              </a:spcBef>
+              <a:buFont typeface="Arial" panose="020B0604020202020204" pitchFamily="34" charset="0"/>
+              <a:buChar char="•"/>
+              <a:defRPr sz="1013" kern="1200">
+                <a:solidFill>
+                  <a:schemeClr val="tx1"/>
+                </a:solidFill>
+                <a:latin typeface="+mn-lt"/>
+                <a:ea typeface="+mn-ea"/>
+                <a:cs typeface="+mn-cs"/>
+              </a:defRPr>
+            </a:lvl6pPr>
+            <a:lvl7pPr marL="1671596" indent="-128585" algn="l" defTabSz="514337" rtl="0" eaLnBrk="1" latinLnBrk="0" hangingPunct="1">
+              <a:lnSpc>
+                <a:spcPct val="90000"/>
+              </a:lnSpc>
+              <a:spcBef>
+                <a:spcPts val="281"/>
+              </a:spcBef>
+              <a:buFont typeface="Arial" panose="020B0604020202020204" pitchFamily="34" charset="0"/>
+              <a:buChar char="•"/>
+              <a:defRPr sz="1013" kern="1200">
+                <a:solidFill>
+                  <a:schemeClr val="tx1"/>
+                </a:solidFill>
+                <a:latin typeface="+mn-lt"/>
+                <a:ea typeface="+mn-ea"/>
+                <a:cs typeface="+mn-cs"/>
+              </a:defRPr>
+            </a:lvl7pPr>
+            <a:lvl8pPr marL="1928765" indent="-128585" algn="l" defTabSz="514337" rtl="0" eaLnBrk="1" latinLnBrk="0" hangingPunct="1">
+              <a:lnSpc>
+                <a:spcPct val="90000"/>
+              </a:lnSpc>
+              <a:spcBef>
+                <a:spcPts val="281"/>
+              </a:spcBef>
+              <a:buFont typeface="Arial" panose="020B0604020202020204" pitchFamily="34" charset="0"/>
+              <a:buChar char="•"/>
+              <a:defRPr sz="1013" kern="1200">
+                <a:solidFill>
+                  <a:schemeClr val="tx1"/>
+                </a:solidFill>
+                <a:latin typeface="+mn-lt"/>
+                <a:ea typeface="+mn-ea"/>
+                <a:cs typeface="+mn-cs"/>
+              </a:defRPr>
+            </a:lvl8pPr>
+            <a:lvl9pPr marL="2185934" indent="-128585" algn="l" defTabSz="514337" rtl="0" eaLnBrk="1" latinLnBrk="0" hangingPunct="1">
+              <a:lnSpc>
+                <a:spcPct val="90000"/>
+              </a:lnSpc>
+              <a:spcBef>
+                <a:spcPts val="281"/>
+              </a:spcBef>
+              <a:buFont typeface="Arial" panose="020B0604020202020204" pitchFamily="34" charset="0"/>
+              <a:buChar char="•"/>
+              <a:defRPr sz="1013" kern="1200">
+                <a:solidFill>
+                  <a:schemeClr val="tx1"/>
+                </a:solidFill>
+                <a:latin typeface="+mn-lt"/>
+                <a:ea typeface="+mn-ea"/>
+                <a:cs typeface="+mn-cs"/>
+              </a:defRPr>
+            </a:lvl9pPr>
+          </a:lstStyle>
+          <a:p>
+            <a:pPr marL="228600" indent="-228600">
+              <a:lnSpc>
+                <a:spcPct val="100000"/>
+              </a:lnSpc>
+              <a:buFont typeface="Arial" panose="020B0604020202020204" pitchFamily="34" charset="0"/>
+              <a:buAutoNum type="arabicPeriod"/>
+              <a:defRPr sz="800"/>
+            </a:pPr>
+            <a:r>
+              <a:rPr>
+                <a:hlinkClick r:id="rId3"/>
+              </a:rPr>
+              <a:t>https://explodingtopics.com/blog/corporate-cloud-data</a:t>
+            </a:r>
+          </a:p>
+          <a:p>
+            <a:pPr marL="228600" indent="-228600">
+              <a:lnSpc>
+                <a:spcPct val="100000"/>
+              </a:lnSpc>
+              <a:buAutoNum type="arabicPeriod"/>
+              <a:defRPr sz="800"/>
+            </a:pPr>
+            <a:r>
+              <a:rPr>
+                <a:hlinkClick r:id="rId4"/>
+              </a:rPr>
+              <a:t>www.cengn.ca/services/commercialization-services/smart-agriculture-program/</a:t>
+            </a:r>
+            <a:endParaRPr lang="en-US" sz="800" dirty="0">
+              <a:solidFill>
+                <a:srgbClr val="000000"/>
+              </a:solidFill>
+              <a:latin typeface="+mj-lt"/>
+            </a:endParaRPr>
+          </a:p>
+          <a:p>
+            <a:pPr marL="228600" indent="-228600">
+              <a:lnSpc>
+                <a:spcPct val="100000"/>
+              </a:lnSpc>
+              <a:buFont typeface="Arial" panose="020B0604020202020204" pitchFamily="34" charset="0"/>
+              <a:buAutoNum type="arabicPeriod"/>
+              <a:defRPr sz="800"/>
+            </a:pPr>
+            <a:r>
+              <a:rPr>
+                <a:hlinkClick r:id="rId5"/>
+              </a:rPr>
+              <a:t>www.cloudflare.com/application-services/</a:t>
+            </a:r>
+          </a:p>
+          <a:p>
+            <a:pPr marL="228600" indent="-228600">
+              <a:lnSpc>
+                <a:spcPct val="100000"/>
+              </a:lnSpc>
+              <a:buAutoNum type="arabicPeriod"/>
+              <a:defRPr sz="800"/>
+            </a:pPr>
+            <a:r>
+              <a:rPr>
+                <a:hlinkClick r:id="rId6"/>
+              </a:rPr>
+              <a:t>vercel.com/docs/concepts/edge-network/overview</a:t>
+            </a:r>
+            <a:endParaRPr lang="en-US" sz="800" dirty="0">
+              <a:solidFill>
+                <a:srgbClr val="000000"/>
+              </a:solidFill>
+              <a:latin typeface="+mj-lt"/>
+            </a:endParaRPr>
+          </a:p>
+          <a:p>
+            <a:pPr marL="228600" indent="-228600">
+              <a:lnSpc>
+                <a:spcPct val="100000"/>
+              </a:lnSpc>
+              <a:buFont typeface="Arial" panose="020B0604020202020204" pitchFamily="34" charset="0"/>
+              <a:buAutoNum type="arabicPeriod"/>
+              <a:defRPr sz="800"/>
+            </a:pPr>
+            <a:r>
+              <a:rPr>
+                <a:hlinkClick r:id="rId7"/>
+              </a:rPr>
+              <a:t>www.iothub.com.au/news/chevron-scales-up-industrial-iot-pilot-513758</a:t>
+            </a:r>
+            <a:endParaRPr lang="fr-FR" sz="800" b="0" i="0" dirty="0">
+              <a:solidFill>
+                <a:srgbClr val="000000"/>
+              </a:solidFill>
+              <a:effectLst/>
+              <a:latin typeface="+mj-lt"/>
+            </a:endParaRPr>
+          </a:p>
+          <a:p>
+            <a:pPr marL="228600" indent="-228600">
+              <a:lnSpc>
+                <a:spcPct val="100000"/>
+              </a:lnSpc>
+              <a:buAutoNum type="arabicPeriod"/>
+              <a:defRPr sz="800"/>
+            </a:pPr>
+            <a:r>
+              <a:rPr>
+                <a:hlinkClick r:id="rId8"/>
+              </a:rPr>
+              <a:t>https://www.datacenterknowledge.com/microsoft/how-microsoft-extending-its-cloud-chevron-s-oil-fields</a:t>
+            </a:r>
+            <a:endParaRPr lang="en-US" sz="800" dirty="0">
+              <a:solidFill>
+                <a:srgbClr val="000000"/>
+              </a:solidFill>
+              <a:latin typeface="+mj-lt"/>
+            </a:endParaRPr>
+          </a:p>
+          <a:p>
+            <a:pPr marL="228600" indent="-228600">
+              <a:lnSpc>
+                <a:spcPct val="100000"/>
+              </a:lnSpc>
+              <a:buAutoNum type="arabicPeriod"/>
+              <a:defRPr sz="800"/>
+            </a:pPr>
+            <a:r>
+              <a:rPr>
+                <a:hlinkClick r:id="rId9"/>
+              </a:rPr>
+              <a:t>www.lepoint.fr/services/menta-le-leader-europeen-de-la-reprogrammation-hardware-embarquee-28-03-2022-2469874_4345.php</a:t>
+            </a:r>
+            <a:endParaRPr lang="en-US" sz="800" dirty="0">
+              <a:solidFill>
+                <a:srgbClr val="000000"/>
+              </a:solidFill>
+              <a:latin typeface="+mj-lt"/>
+            </a:endParaRPr>
+          </a:p>
+          <a:p>
+            <a:pPr marL="228600" indent="-228600">
+              <a:lnSpc>
+                <a:spcPct val="100000"/>
+              </a:lnSpc>
+              <a:buAutoNum type="arabicPeriod"/>
+              <a:defRPr sz="800"/>
+            </a:pPr>
+            <a:r>
+              <a:rPr>
+                <a:hlinkClick r:id="rId10"/>
+              </a:rPr>
+              <a:t>ori.co/multicloud-networking</a:t>
+            </a:r>
+            <a:endParaRPr lang="en-US" sz="800" dirty="0">
+              <a:solidFill>
+                <a:srgbClr val="000000"/>
+              </a:solidFill>
+              <a:latin typeface="+mj-lt"/>
+            </a:endParaRPr>
+          </a:p>
+          <a:p>
+            <a:pPr marL="228600" indent="-228600">
+              <a:lnSpc>
+                <a:spcPct val="100000"/>
+              </a:lnSpc>
+              <a:buAutoNum type="arabicPeriod"/>
+              <a:defRPr sz="800"/>
+            </a:pPr>
+            <a:r>
+              <a:rPr>
+                <a:hlinkClick r:id="rId11"/>
+              </a:rPr>
+              <a:t>zededa.com/products/</a:t>
+            </a:r>
+            <a:endParaRPr lang="en-US" sz="800" dirty="0">
+              <a:solidFill>
+                <a:srgbClr val="000000"/>
+              </a:solidFill>
+              <a:latin typeface="+mj-lt"/>
+            </a:endParaRPr>
+          </a:p>
+          <a:p>
+            <a:pPr marL="228600" indent="-228600">
+              <a:lnSpc>
+                <a:spcPct val="100000"/>
+              </a:lnSpc>
+              <a:buAutoNum type="arabicPeriod"/>
+              <a:defRPr sz="800"/>
+            </a:pPr>
+            <a:r>
+              <a:rPr>
+                <a:hlinkClick r:id="rId12"/>
+              </a:rPr>
+              <a:t>https://www.stengg.com/en/digital-tech/data-science-analytics-and-ai/video-analytics/</a:t>
+            </a:r>
+            <a:endParaRPr lang="en-US" sz="800" dirty="0">
+              <a:solidFill>
+                <a:srgbClr val="000000"/>
+              </a:solidFill>
+              <a:latin typeface="+mj-lt"/>
+            </a:endParaRPr>
+          </a:p>
+          <a:p>
+            <a:pPr marL="228600" indent="-228600">
+              <a:lnSpc>
+                <a:spcPct val="100000"/>
+              </a:lnSpc>
+              <a:buAutoNum type="arabicPeriod"/>
+              <a:defRPr sz="800"/>
+            </a:pPr>
+            <a:r>
+              <a:rPr>
+                <a:hlinkClick r:id="rId13"/>
+              </a:rPr>
+              <a:t>https://www.stengg.com/en/digital-tech/data-science-analytics-and-ai/edge-analytics/</a:t>
+            </a:r>
+            <a:endParaRPr lang="en-US" sz="800" dirty="0">
+              <a:solidFill>
+                <a:srgbClr val="000000"/>
+              </a:solidFill>
+              <a:latin typeface="+mj-lt"/>
+            </a:endParaRPr>
+          </a:p>
+          <a:p>
+            <a:pPr marL="228600" indent="-228600">
+              <a:lnSpc>
+                <a:spcPct val="100000"/>
+              </a:lnSpc>
+              <a:buAutoNum type="arabicPeriod"/>
+            </a:pPr>
+            <a:r>
+              <a:rPr lang="en-US" sz="800" b="0" i="0" dirty="0">
+                <a:solidFill>
+                  <a:srgbClr val="000000"/>
+                </a:solidFill>
+                <a:effectLst/>
+                <a:latin typeface="+mj-lt"/>
+              </a:rPr>
+              <a:t>&lt;source&gt;</a:t>
+            </a:r>
+            <a:endParaRPr lang="en-US" sz="800" dirty="0">
+              <a:solidFill>
+                <a:srgbClr val="000000"/>
+              </a:solidFill>
+              <a:latin typeface="+mj-lt"/>
+            </a:endParaRPr>
+          </a:p>
+          <a:p>
+            <a:pPr marL="228600" indent="-228600">
+              <a:lnSpc>
+                <a:spcPct val="100000"/>
+              </a:lnSpc>
+              <a:buAutoNum type="arabicPeriod"/>
+            </a:pPr>
+            <a:r>
+              <a:rPr lang="en-US" sz="800" b="0" i="0" dirty="0">
+                <a:solidFill>
+                  <a:srgbClr val="000000"/>
+                </a:solidFill>
+                <a:effectLst/>
+                <a:latin typeface="+mj-lt"/>
+              </a:rPr>
+              <a:t>&lt;source&gt;</a:t>
+            </a:r>
+            <a:endParaRPr lang="en-US" sz="800" dirty="0">
+              <a:solidFill>
+                <a:srgbClr val="000000"/>
+              </a:solidFill>
+              <a:latin typeface="+mj-lt"/>
+            </a:endParaRPr>
+          </a:p>
+          <a:p>
+            <a:pPr marL="228600" indent="-228600">
+              <a:lnSpc>
+                <a:spcPct val="100000"/>
+              </a:lnSpc>
+              <a:buAutoNum type="arabicPeriod"/>
+            </a:pPr>
+            <a:r>
+              <a:rPr lang="en-US" sz="800" b="0" i="0" dirty="0">
+                <a:solidFill>
+                  <a:srgbClr val="000000"/>
+                </a:solidFill>
+                <a:effectLst/>
+                <a:latin typeface="+mj-lt"/>
+              </a:rPr>
+              <a:t>&lt;source&gt;</a:t>
+            </a:r>
+            <a:endParaRPr lang="en-US" sz="800" dirty="0">
+              <a:solidFill>
+                <a:srgbClr val="000000"/>
+              </a:solidFill>
+              <a:latin typeface="+mj-lt"/>
+            </a:endParaRPr>
+          </a:p>
+          <a:p>
+            <a:pPr marL="228600" indent="-228600">
+              <a:lnSpc>
+                <a:spcPct val="100000"/>
+              </a:lnSpc>
+              <a:buAutoNum type="arabicPeriod"/>
+            </a:pPr>
+            <a:r>
+              <a:rPr lang="en-US" sz="800" b="0" i="0" dirty="0">
+                <a:solidFill>
+                  <a:srgbClr val="000000"/>
+                </a:solidFill>
+                <a:effectLst/>
+                <a:latin typeface="+mj-lt"/>
+              </a:rPr>
+              <a:t>&lt;source&gt;</a:t>
+            </a:r>
+            <a:endParaRPr lang="en-US" sz="800" dirty="0">
+              <a:solidFill>
+                <a:srgbClr val="000000"/>
+              </a:solidFill>
+              <a:latin typeface="+mj-lt"/>
+            </a:endParaRPr>
+          </a:p>
+          <a:p>
+            <a:pPr marL="228600" indent="-228600">
+              <a:lnSpc>
+                <a:spcPct val="100000"/>
+              </a:lnSpc>
+              <a:buAutoNum type="arabicPeriod"/>
+            </a:pPr>
+            <a:r>
+              <a:rPr lang="en-US" sz="800" b="0" i="0" dirty="0">
+                <a:solidFill>
+                  <a:srgbClr val="000000"/>
+                </a:solidFill>
+                <a:effectLst/>
+                <a:latin typeface="+mj-lt"/>
+              </a:rPr>
+              <a:t>&lt;source&gt;</a:t>
+            </a:r>
+            <a:endParaRPr lang="en-US" sz="800" dirty="0">
+              <a:solidFill>
+                <a:srgbClr val="000000"/>
+              </a:solidFill>
+              <a:latin typeface="+mj-lt"/>
+            </a:endParaRPr>
+          </a:p>
+          <a:p>
+            <a:pPr marL="228600" indent="-228600">
+              <a:lnSpc>
+                <a:spcPct val="100000"/>
+              </a:lnSpc>
+              <a:buAutoNum type="arabicPeriod"/>
+            </a:pPr>
+            <a:r>
+              <a:rPr lang="en-US" sz="800" b="0" i="0" dirty="0">
+                <a:solidFill>
+                  <a:srgbClr val="000000"/>
+                </a:solidFill>
+                <a:effectLst/>
+                <a:latin typeface="+mj-lt"/>
+              </a:rPr>
+              <a:t>&lt;source&gt;</a:t>
+            </a:r>
+            <a:endParaRPr lang="en-US" sz="800" dirty="0">
+              <a:solidFill>
+                <a:srgbClr val="000000"/>
+              </a:solidFill>
+              <a:latin typeface="+mj-lt"/>
+            </a:endParaRPr>
+          </a:p>
+          <a:p>
+            <a:pPr marL="228600" indent="-228600">
+              <a:lnSpc>
+                <a:spcPct val="100000"/>
+              </a:lnSpc>
+              <a:buAutoNum type="arabicPeriod"/>
+            </a:pPr>
+            <a:r>
+              <a:rPr lang="en-US" sz="800" b="0" i="0" dirty="0">
+                <a:solidFill>
+                  <a:srgbClr val="000000"/>
+                </a:solidFill>
+                <a:effectLst/>
+                <a:latin typeface="+mj-lt"/>
+              </a:rPr>
+              <a:t>&lt;source&gt;</a:t>
+            </a:r>
+            <a:endParaRPr lang="en-US" sz="800" dirty="0">
+              <a:solidFill>
+                <a:srgbClr val="000000"/>
+              </a:solidFill>
+              <a:latin typeface="+mj-lt"/>
+            </a:endParaRPr>
+          </a:p>
+          <a:p>
+            <a:pPr marL="228600" indent="-228600">
+              <a:lnSpc>
+                <a:spcPct val="100000"/>
+              </a:lnSpc>
+              <a:buAutoNum type="arabicPeriod"/>
+            </a:pPr>
+            <a:r>
+              <a:rPr lang="en-US" sz="800" b="0" i="0" dirty="0">
+                <a:solidFill>
+                  <a:srgbClr val="000000"/>
+                </a:solidFill>
+                <a:effectLst/>
+                <a:latin typeface="+mj-lt"/>
+              </a:rPr>
+              <a:t>&lt;source&gt;</a:t>
+            </a:r>
+            <a:endParaRPr lang="en-US" sz="800" dirty="0">
+              <a:solidFill>
+                <a:srgbClr val="000000"/>
+              </a:solidFill>
+              <a:latin typeface="+mj-lt"/>
+            </a:endParaRPr>
+          </a:p>
+          <a:p>
+            <a:pPr marL="228600" indent="-228600">
+              <a:lnSpc>
+                <a:spcPct val="100000"/>
+              </a:lnSpc>
+              <a:buAutoNum type="arabicPeriod"/>
+            </a:pPr>
+            <a:r>
+              <a:rPr lang="en-US" sz="800" b="0" i="0" dirty="0">
+                <a:solidFill>
+                  <a:srgbClr val="000000"/>
+                </a:solidFill>
+                <a:effectLst/>
+                <a:latin typeface="+mj-lt"/>
+              </a:rPr>
+              <a:t>&lt;source&gt;</a:t>
+            </a:r>
+            <a:endParaRPr lang="en-US" sz="800" dirty="0">
+              <a:solidFill>
+                <a:srgbClr val="000000"/>
+              </a:solidFill>
+              <a:latin typeface="+mj-lt"/>
+            </a:endParaRPr>
+          </a:p>
+          <a:p>
+            <a:pPr marL="228600" indent="-228600">
+              <a:lnSpc>
+                <a:spcPct val="100000"/>
+              </a:lnSpc>
+              <a:buAutoNum type="arabicPeriod"/>
+            </a:pPr>
+            <a:r>
+              <a:rPr lang="en-US" sz="800" b="0" i="0" dirty="0">
+                <a:solidFill>
+                  <a:srgbClr val="000000"/>
+                </a:solidFill>
+                <a:effectLst/>
+                <a:latin typeface="+mj-lt"/>
+              </a:rPr>
+              <a:t>&lt;source&gt;</a:t>
+            </a:r>
+            <a:endParaRPr lang="en-US" sz="800" dirty="0">
+              <a:solidFill>
+                <a:srgbClr val="000000"/>
+              </a:solidFill>
+              <a:latin typeface="+mj-lt"/>
+            </a:endParaRPr>
+          </a:p>
+          <a:p>
+            <a:pPr marL="228600" indent="-228600">
+              <a:lnSpc>
+                <a:spcPct val="100000"/>
+              </a:lnSpc>
+              <a:buAutoNum type="arabicPeriod"/>
+            </a:pPr>
+            <a:r>
+              <a:rPr lang="en-US" sz="800" b="0" i="0" dirty="0">
+                <a:solidFill>
+                  <a:srgbClr val="000000"/>
+                </a:solidFill>
+                <a:effectLst/>
+                <a:latin typeface="+mj-lt"/>
+              </a:rPr>
+              <a:t>&lt;source&gt;</a:t>
+            </a:r>
+            <a:endParaRPr lang="en-US" sz="800" dirty="0">
+              <a:solidFill>
+                <a:srgbClr val="000000"/>
+              </a:solidFill>
+              <a:latin typeface="+mj-lt"/>
+            </a:endParaRPr>
+          </a:p>
+          <a:p>
+            <a:pPr marL="228600" indent="-228600">
+              <a:lnSpc>
+                <a:spcPct val="100000"/>
+              </a:lnSpc>
+              <a:buAutoNum type="arabicPeriod"/>
+            </a:pPr>
+            <a:r>
+              <a:rPr lang="en-US" sz="800" b="0" i="0" dirty="0">
+                <a:solidFill>
+                  <a:srgbClr val="000000"/>
+                </a:solidFill>
+                <a:effectLst/>
+                <a:latin typeface="+mj-lt"/>
+              </a:rPr>
+              <a:t>&lt;source&gt;</a:t>
+            </a:r>
+            <a:endParaRPr lang="en-US" sz="800" dirty="0">
+              <a:solidFill>
+                <a:srgbClr val="000000"/>
+              </a:solidFill>
+              <a:latin typeface="+mj-lt"/>
+            </a:endParaRPr>
+          </a:p>
+          <a:p>
+            <a:pPr marL="228600" indent="-228600">
+              <a:lnSpc>
+                <a:spcPct val="100000"/>
+              </a:lnSpc>
+              <a:buAutoNum type="arabicPeriod"/>
+            </a:pPr>
+            <a:r>
+              <a:rPr lang="en-US" sz="800" b="0" i="0" dirty="0">
+                <a:solidFill>
+                  <a:srgbClr val="000000"/>
+                </a:solidFill>
+                <a:effectLst/>
+                <a:latin typeface="+mj-lt"/>
+              </a:rPr>
+              <a:t> &lt;source&gt;</a:t>
+            </a:r>
+          </a:p>
+          <a:p>
+            <a:pPr marL="228600" indent="-228600">
+              <a:lnSpc>
+                <a:spcPct val="100000"/>
+              </a:lnSpc>
+              <a:buFont typeface="Arial" panose="020B0604020202020204" pitchFamily="34" charset="0"/>
+              <a:buAutoNum type="arabicPeriod"/>
+            </a:pPr>
+            <a:r>
+              <a:rPr lang="en-US" sz="800" b="0" i="0" dirty="0">
+                <a:solidFill>
+                  <a:srgbClr val="000000"/>
+                </a:solidFill>
+                <a:effectLst/>
+                <a:latin typeface="+mj-lt"/>
+              </a:rPr>
+              <a:t>&lt;source&gt;</a:t>
+            </a:r>
+            <a:endParaRPr lang="en-US" sz="800" dirty="0">
+              <a:solidFill>
+                <a:srgbClr val="000000"/>
+              </a:solidFill>
+              <a:latin typeface="+mj-lt"/>
+            </a:endParaRPr>
+          </a:p>
+          <a:p>
+            <a:pPr marL="228600" indent="-228600">
+              <a:lnSpc>
+                <a:spcPct val="100000"/>
+              </a:lnSpc>
+              <a:buFont typeface="Arial" panose="020B0604020202020204" pitchFamily="34" charset="0"/>
+              <a:buAutoNum type="arabicPeriod"/>
+            </a:pPr>
+            <a:r>
+              <a:rPr lang="en-US" sz="800" b="0" i="0" dirty="0">
+                <a:solidFill>
+                  <a:srgbClr val="000000"/>
+                </a:solidFill>
+                <a:effectLst/>
+                <a:latin typeface="+mj-lt"/>
+              </a:rPr>
+              <a:t>&lt;source&gt;</a:t>
+            </a:r>
+            <a:endParaRPr lang="en-US" sz="800" dirty="0">
+              <a:solidFill>
+                <a:srgbClr val="000000"/>
+              </a:solidFill>
+              <a:latin typeface="+mj-lt"/>
+            </a:endParaRPr>
+          </a:p>
+          <a:p>
+            <a:pPr marL="228600" indent="-228600">
+              <a:lnSpc>
+                <a:spcPct val="100000"/>
+              </a:lnSpc>
+              <a:buFont typeface="Arial" panose="020B0604020202020204" pitchFamily="34" charset="0"/>
+              <a:buAutoNum type="arabicPeriod"/>
+            </a:pPr>
+            <a:r>
+              <a:rPr lang="en-US" sz="800" b="0" i="0" dirty="0">
+                <a:solidFill>
+                  <a:srgbClr val="000000"/>
+                </a:solidFill>
+                <a:effectLst/>
+                <a:latin typeface="+mj-lt"/>
+              </a:rPr>
+              <a:t>&lt;source&gt;</a:t>
+            </a:r>
+            <a:endParaRPr lang="en-US" sz="800" dirty="0">
+              <a:solidFill>
+                <a:srgbClr val="000000"/>
+              </a:solidFill>
+              <a:latin typeface="+mj-lt"/>
+            </a:endParaRPr>
+          </a:p>
+          <a:p>
+            <a:pPr marL="228600" indent="-228600">
+              <a:lnSpc>
+                <a:spcPct val="100000"/>
+              </a:lnSpc>
+              <a:buFont typeface="Arial" panose="020B0604020202020204" pitchFamily="34" charset="0"/>
+              <a:buAutoNum type="arabicPeriod"/>
+            </a:pPr>
+            <a:r>
+              <a:rPr lang="en-US" sz="800" b="0" i="0" dirty="0">
+                <a:solidFill>
+                  <a:srgbClr val="000000"/>
+                </a:solidFill>
+                <a:effectLst/>
+                <a:latin typeface="+mj-lt"/>
+              </a:rPr>
+              <a:t>&lt;source&gt;</a:t>
+            </a:r>
+            <a:endParaRPr lang="en-US" sz="800" dirty="0">
+              <a:solidFill>
+                <a:srgbClr val="000000"/>
+              </a:solidFill>
+              <a:latin typeface="+mj-lt"/>
+            </a:endParaRPr>
+          </a:p>
+          <a:p>
+            <a:pPr marL="228600" indent="-228600">
+              <a:lnSpc>
+                <a:spcPct val="100000"/>
+              </a:lnSpc>
+              <a:buFont typeface="Arial" panose="020B0604020202020204" pitchFamily="34" charset="0"/>
+              <a:buAutoNum type="arabicPeriod"/>
+            </a:pPr>
+            <a:r>
+              <a:rPr lang="en-US" sz="800" b="0" i="0" dirty="0">
+                <a:solidFill>
+                  <a:srgbClr val="000000"/>
+                </a:solidFill>
+                <a:effectLst/>
+                <a:latin typeface="+mj-lt"/>
+              </a:rPr>
+              <a:t>&lt;source&gt;</a:t>
+            </a:r>
+            <a:endParaRPr lang="en-US" sz="800" dirty="0">
+              <a:solidFill>
+                <a:srgbClr val="000000"/>
+              </a:solidFill>
+              <a:latin typeface="+mj-lt"/>
+            </a:endParaRPr>
+          </a:p>
+          <a:p>
+            <a:pPr marL="228600" indent="-228600">
+              <a:lnSpc>
+                <a:spcPct val="100000"/>
+              </a:lnSpc>
+              <a:buFont typeface="Arial" panose="020B0604020202020204" pitchFamily="34" charset="0"/>
+              <a:buAutoNum type="arabicPeriod"/>
+            </a:pPr>
+            <a:r>
+              <a:rPr lang="en-US" sz="800" b="0" i="0" dirty="0">
+                <a:solidFill>
+                  <a:srgbClr val="000000"/>
+                </a:solidFill>
+                <a:effectLst/>
+                <a:latin typeface="+mj-lt"/>
+              </a:rPr>
+              <a:t>&lt;source&gt;</a:t>
+            </a:r>
+            <a:endParaRPr lang="en-US" sz="800" dirty="0">
+              <a:solidFill>
+                <a:srgbClr val="000000"/>
+              </a:solidFill>
+              <a:latin typeface="+mj-lt"/>
+            </a:endParaRPr>
+          </a:p>
+          <a:p>
+            <a:pPr marL="228600" indent="-228600">
+              <a:lnSpc>
+                <a:spcPct val="100000"/>
+              </a:lnSpc>
+              <a:buFont typeface="Arial" panose="020B0604020202020204" pitchFamily="34" charset="0"/>
+              <a:buAutoNum type="arabicPeriod"/>
+            </a:pPr>
+            <a:r>
+              <a:rPr lang="en-US" sz="800" b="0" i="0" dirty="0">
+                <a:solidFill>
+                  <a:srgbClr val="000000"/>
+                </a:solidFill>
+                <a:effectLst/>
+                <a:latin typeface="+mj-lt"/>
+              </a:rPr>
+              <a:t>&lt;source&gt;</a:t>
+            </a:r>
+            <a:endParaRPr lang="en-US" sz="800" dirty="0">
+              <a:solidFill>
+                <a:srgbClr val="000000"/>
+              </a:solidFill>
+              <a:latin typeface="+mj-lt"/>
+            </a:endParaRPr>
+          </a:p>
+          <a:p>
+            <a:pPr marL="228600" indent="-228600">
+              <a:lnSpc>
+                <a:spcPct val="100000"/>
+              </a:lnSpc>
+              <a:buFont typeface="Arial" panose="020B0604020202020204" pitchFamily="34" charset="0"/>
+              <a:buAutoNum type="arabicPeriod"/>
+            </a:pPr>
+            <a:r>
+              <a:rPr lang="en-US" sz="800" b="0" i="0" dirty="0">
+                <a:solidFill>
+                  <a:srgbClr val="000000"/>
+                </a:solidFill>
+                <a:effectLst/>
+                <a:latin typeface="+mj-lt"/>
+              </a:rPr>
+              <a:t>&lt;source&gt;</a:t>
+            </a:r>
+            <a:endParaRPr lang="en-US" sz="800" dirty="0">
+              <a:solidFill>
+                <a:srgbClr val="000000"/>
+              </a:solidFill>
+              <a:latin typeface="+mj-lt"/>
+            </a:endParaRPr>
+          </a:p>
+          <a:p>
+            <a:pPr marL="228600" indent="-228600">
+              <a:lnSpc>
+                <a:spcPct val="100000"/>
+              </a:lnSpc>
+              <a:buFont typeface="Arial" panose="020B0604020202020204" pitchFamily="34" charset="0"/>
+              <a:buAutoNum type="arabicPeriod"/>
+            </a:pPr>
+            <a:r>
+              <a:rPr lang="en-US" sz="800" b="0" i="0" dirty="0">
+                <a:solidFill>
+                  <a:srgbClr val="000000"/>
+                </a:solidFill>
+                <a:effectLst/>
+                <a:latin typeface="+mj-lt"/>
+              </a:rPr>
+              <a:t>&lt;source&gt;</a:t>
+            </a:r>
+            <a:endParaRPr lang="en-US" sz="800" dirty="0">
+              <a:solidFill>
+                <a:srgbClr val="000000"/>
+              </a:solidFill>
+              <a:latin typeface="+mj-lt"/>
+            </a:endParaRPr>
+          </a:p>
+          <a:p>
+            <a:pPr marL="228600" indent="-228600">
+              <a:lnSpc>
+                <a:spcPct val="100000"/>
+              </a:lnSpc>
+              <a:buFont typeface="Arial" panose="020B0604020202020204" pitchFamily="34" charset="0"/>
+              <a:buAutoNum type="arabicPeriod"/>
+            </a:pPr>
+            <a:r>
+              <a:rPr lang="en-US" sz="800" b="0" i="0" dirty="0">
+                <a:solidFill>
+                  <a:srgbClr val="000000"/>
+                </a:solidFill>
+                <a:effectLst/>
+                <a:latin typeface="+mj-lt"/>
+              </a:rPr>
+              <a:t>&lt;source&gt;</a:t>
+            </a:r>
+            <a:endParaRPr lang="en-US" sz="800" dirty="0">
+              <a:solidFill>
+                <a:srgbClr val="000000"/>
+              </a:solidFill>
+              <a:latin typeface="+mj-lt"/>
+            </a:endParaRPr>
+          </a:p>
+          <a:p>
+            <a:pPr marL="228600" indent="-228600">
+              <a:lnSpc>
+                <a:spcPct val="100000"/>
+              </a:lnSpc>
+              <a:buFont typeface="Arial" panose="020B0604020202020204" pitchFamily="34" charset="0"/>
+              <a:buAutoNum type="arabicPeriod"/>
+            </a:pPr>
+            <a:r>
+              <a:rPr lang="en-US" sz="800" b="0" i="0" dirty="0">
+                <a:solidFill>
+                  <a:srgbClr val="000000"/>
+                </a:solidFill>
+                <a:effectLst/>
+                <a:latin typeface="+mj-lt"/>
+              </a:rPr>
+              <a:t>&lt;source&gt;</a:t>
+            </a:r>
+            <a:endParaRPr lang="en-US" sz="800" dirty="0">
+              <a:solidFill>
+                <a:srgbClr val="000000"/>
+              </a:solidFill>
+              <a:latin typeface="+mj-lt"/>
+            </a:endParaRPr>
+          </a:p>
+          <a:p>
+            <a:pPr marL="228600" indent="-228600">
+              <a:lnSpc>
+                <a:spcPct val="100000"/>
+              </a:lnSpc>
+              <a:buFont typeface="Arial" panose="020B0604020202020204" pitchFamily="34" charset="0"/>
+              <a:buAutoNum type="arabicPeriod"/>
+            </a:pPr>
+            <a:r>
+              <a:rPr lang="en-US" sz="800" b="0" i="0" dirty="0">
+                <a:solidFill>
+                  <a:srgbClr val="000000"/>
+                </a:solidFill>
+                <a:effectLst/>
+                <a:latin typeface="+mj-lt"/>
+              </a:rPr>
+              <a:t>&lt;source&gt;</a:t>
+            </a:r>
+            <a:endParaRPr lang="en-US" sz="800" dirty="0">
+              <a:solidFill>
+                <a:srgbClr val="000000"/>
+              </a:solidFill>
+              <a:latin typeface="+mj-lt"/>
+            </a:endParaRPr>
+          </a:p>
+          <a:p>
+            <a:pPr marL="228600" indent="-228600">
+              <a:lnSpc>
+                <a:spcPct val="100000"/>
+              </a:lnSpc>
+              <a:buFont typeface="Arial" panose="020B0604020202020204" pitchFamily="34" charset="0"/>
+              <a:buAutoNum type="arabicPeriod"/>
+            </a:pPr>
+            <a:r>
+              <a:rPr lang="en-US" sz="800" b="0" i="0" dirty="0">
+                <a:solidFill>
+                  <a:srgbClr val="000000"/>
+                </a:solidFill>
+                <a:effectLst/>
+                <a:latin typeface="+mj-lt"/>
+              </a:rPr>
+              <a:t>&lt;source&gt;</a:t>
+            </a:r>
+            <a:endParaRPr lang="en-US" sz="800" dirty="0">
+              <a:solidFill>
+                <a:srgbClr val="000000"/>
+              </a:solidFill>
+              <a:latin typeface="+mj-lt"/>
+            </a:endParaRPr>
+          </a:p>
+          <a:p>
+            <a:pPr marL="228600" indent="-228600">
+              <a:lnSpc>
+                <a:spcPct val="100000"/>
+              </a:lnSpc>
+              <a:buFont typeface="Arial" panose="020B0604020202020204" pitchFamily="34" charset="0"/>
+              <a:buAutoNum type="arabicPeriod"/>
+            </a:pPr>
+            <a:r>
+              <a:rPr lang="en-US" sz="800" b="0" i="0" dirty="0">
+                <a:solidFill>
+                  <a:srgbClr val="000000"/>
+                </a:solidFill>
+                <a:effectLst/>
+                <a:latin typeface="+mj-lt"/>
+              </a:rPr>
+              <a:t>&lt;source&gt;</a:t>
+            </a:r>
+            <a:endParaRPr lang="en-US" sz="800" dirty="0">
+              <a:solidFill>
+                <a:srgbClr val="000000"/>
+              </a:solidFill>
+              <a:latin typeface="+mj-lt"/>
+            </a:endParaRPr>
+          </a:p>
+          <a:p>
+            <a:pPr marL="228600" indent="-228600">
+              <a:lnSpc>
+                <a:spcPct val="100000"/>
+              </a:lnSpc>
+              <a:buFont typeface="Arial" panose="020B0604020202020204" pitchFamily="34" charset="0"/>
+              <a:buAutoNum type="arabicPeriod"/>
+            </a:pPr>
+            <a:r>
+              <a:rPr lang="en-US" sz="800" b="0" i="0" dirty="0">
+                <a:solidFill>
+                  <a:srgbClr val="000000"/>
+                </a:solidFill>
+                <a:effectLst/>
+                <a:latin typeface="+mj-lt"/>
+              </a:rPr>
+              <a:t>&lt;source&gt;</a:t>
+            </a:r>
+            <a:endParaRPr lang="en-US" sz="800" dirty="0">
+              <a:solidFill>
+                <a:srgbClr val="000000"/>
+              </a:solidFill>
+              <a:latin typeface="+mj-lt"/>
+            </a:endParaRPr>
+          </a:p>
+          <a:p>
+            <a:pPr marL="228600" indent="-228600">
+              <a:lnSpc>
+                <a:spcPct val="100000"/>
+              </a:lnSpc>
+              <a:buFont typeface="Arial" panose="020B0604020202020204" pitchFamily="34" charset="0"/>
+              <a:buAutoNum type="arabicPeriod"/>
+            </a:pPr>
+            <a:r>
+              <a:rPr lang="en-US" sz="800" b="0" i="0" dirty="0">
+                <a:solidFill>
+                  <a:srgbClr val="000000"/>
+                </a:solidFill>
+                <a:effectLst/>
+                <a:latin typeface="+mj-lt"/>
+              </a:rPr>
+              <a:t>&lt;source&gt;</a:t>
+            </a:r>
+            <a:endParaRPr lang="en-US" sz="800" dirty="0">
+              <a:solidFill>
+                <a:srgbClr val="000000"/>
+              </a:solidFill>
+              <a:latin typeface="+mj-lt"/>
+            </a:endParaRPr>
+          </a:p>
+          <a:p>
+            <a:pPr marL="228600" indent="-228600">
+              <a:lnSpc>
+                <a:spcPct val="100000"/>
+              </a:lnSpc>
+              <a:buAutoNum type="arabicPeriod"/>
+            </a:pPr>
+            <a:r>
+              <a:rPr lang="en-US" sz="800" b="0" i="0" dirty="0">
+                <a:solidFill>
+                  <a:srgbClr val="000000"/>
+                </a:solidFill>
+                <a:effectLst/>
+                <a:latin typeface="+mj-lt"/>
+              </a:rPr>
+              <a:t>&lt;source&gt;</a:t>
+            </a:r>
+          </a:p>
+          <a:p>
+            <a:pPr marL="228600" indent="-228600">
+              <a:lnSpc>
+                <a:spcPct val="100000"/>
+              </a:lnSpc>
+              <a:buFont typeface="Arial" panose="020B0604020202020204" pitchFamily="34" charset="0"/>
+              <a:buAutoNum type="arabicPeriod"/>
+            </a:pPr>
+            <a:r>
+              <a:rPr lang="en-US" sz="800" b="0" i="0" dirty="0">
+                <a:solidFill>
+                  <a:srgbClr val="000000"/>
+                </a:solidFill>
+                <a:effectLst/>
+                <a:latin typeface="+mj-lt"/>
+              </a:rPr>
+              <a:t>&lt;source&gt;</a:t>
+            </a:r>
+            <a:endParaRPr lang="en-US" sz="800" dirty="0">
+              <a:solidFill>
+                <a:srgbClr val="000000"/>
+              </a:solidFill>
+              <a:latin typeface="+mj-lt"/>
+            </a:endParaRPr>
+          </a:p>
+          <a:p>
+            <a:pPr marL="228600" indent="-228600">
+              <a:lnSpc>
+                <a:spcPct val="100000"/>
+              </a:lnSpc>
+              <a:buFont typeface="Arial" panose="020B0604020202020204" pitchFamily="34" charset="0"/>
+              <a:buAutoNum type="arabicPeriod"/>
+            </a:pPr>
+            <a:r>
+              <a:rPr lang="en-US" sz="800" b="0" i="0" dirty="0">
+                <a:solidFill>
+                  <a:srgbClr val="000000"/>
+                </a:solidFill>
+                <a:effectLst/>
+                <a:latin typeface="+mj-lt"/>
+              </a:rPr>
+              <a:t>&lt;source&gt;</a:t>
+            </a:r>
+            <a:endParaRPr lang="en-US" sz="800" dirty="0">
+              <a:solidFill>
+                <a:srgbClr val="000000"/>
+              </a:solidFill>
+              <a:latin typeface="+mj-lt"/>
+            </a:endParaRPr>
+          </a:p>
+          <a:p>
+            <a:pPr marL="228600" indent="-228600">
+              <a:lnSpc>
+                <a:spcPct val="100000"/>
+              </a:lnSpc>
+              <a:buFont typeface="Arial" panose="020B0604020202020204" pitchFamily="34" charset="0"/>
+              <a:buAutoNum type="arabicPeriod"/>
+            </a:pPr>
+            <a:r>
+              <a:rPr lang="en-US" sz="800" b="0" i="0" dirty="0">
+                <a:solidFill>
+                  <a:srgbClr val="000000"/>
+                </a:solidFill>
+                <a:effectLst/>
+                <a:latin typeface="+mj-lt"/>
+              </a:rPr>
+              <a:t>&lt;source&gt;</a:t>
+            </a:r>
+            <a:endParaRPr lang="en-US" sz="800" dirty="0">
+              <a:solidFill>
+                <a:srgbClr val="000000"/>
+              </a:solidFill>
+              <a:latin typeface="+mj-lt"/>
+            </a:endParaRPr>
+          </a:p>
+          <a:p>
+            <a:pPr marL="228600" indent="-228600">
+              <a:lnSpc>
+                <a:spcPct val="100000"/>
+              </a:lnSpc>
+              <a:buFont typeface="Arial" panose="020B0604020202020204" pitchFamily="34" charset="0"/>
+              <a:buAutoNum type="arabicPeriod"/>
+            </a:pPr>
+            <a:r>
+              <a:rPr lang="en-US" sz="800" b="0" i="0" dirty="0">
+                <a:solidFill>
+                  <a:srgbClr val="000000"/>
+                </a:solidFill>
+                <a:effectLst/>
+                <a:latin typeface="+mj-lt"/>
+              </a:rPr>
+              <a:t>&lt;source&gt;</a:t>
+            </a:r>
+            <a:endParaRPr lang="en-US" sz="800" dirty="0">
+              <a:solidFill>
+                <a:srgbClr val="000000"/>
+              </a:solidFill>
+              <a:latin typeface="+mj-lt"/>
+            </a:endParaRPr>
+          </a:p>
+          <a:p>
+            <a:pPr marL="228600" indent="-228600">
+              <a:lnSpc>
+                <a:spcPct val="100000"/>
+              </a:lnSpc>
+              <a:buFont typeface="Arial" panose="020B0604020202020204" pitchFamily="34" charset="0"/>
+              <a:buAutoNum type="arabicPeriod"/>
+            </a:pPr>
+            <a:r>
+              <a:rPr lang="en-US" sz="800" b="0" i="0" dirty="0">
+                <a:solidFill>
+                  <a:srgbClr val="000000"/>
+                </a:solidFill>
+                <a:effectLst/>
+                <a:latin typeface="+mj-lt"/>
+              </a:rPr>
+              <a:t>&lt;source&gt;</a:t>
+            </a:r>
+            <a:endParaRPr lang="en-US" sz="800" dirty="0">
+              <a:solidFill>
+                <a:srgbClr val="000000"/>
+              </a:solidFill>
+              <a:latin typeface="+mj-lt"/>
+            </a:endParaRPr>
+          </a:p>
+          <a:p>
+            <a:pPr marL="228600" indent="-228600">
+              <a:lnSpc>
+                <a:spcPct val="100000"/>
+              </a:lnSpc>
+              <a:buFont typeface="Arial" panose="020B0604020202020204" pitchFamily="34" charset="0"/>
+              <a:buAutoNum type="arabicPeriod"/>
+            </a:pPr>
+            <a:r>
+              <a:rPr lang="en-US" sz="800" b="0" i="0" dirty="0">
+                <a:solidFill>
+                  <a:srgbClr val="000000"/>
+                </a:solidFill>
+                <a:effectLst/>
+                <a:latin typeface="+mj-lt"/>
+              </a:rPr>
+              <a:t>&lt;source&gt;</a:t>
+            </a:r>
+            <a:endParaRPr lang="en-US" sz="800" dirty="0">
+              <a:solidFill>
+                <a:srgbClr val="000000"/>
+              </a:solidFill>
+              <a:latin typeface="+mj-lt"/>
+            </a:endParaRPr>
+          </a:p>
+          <a:p>
+            <a:pPr marL="228600" indent="-228600">
+              <a:lnSpc>
+                <a:spcPct val="100000"/>
+              </a:lnSpc>
+              <a:buFont typeface="Arial" panose="020B0604020202020204" pitchFamily="34" charset="0"/>
+              <a:buAutoNum type="arabicPeriod"/>
+            </a:pPr>
+            <a:r>
+              <a:rPr lang="en-US" sz="800" b="0" i="0" dirty="0">
+                <a:solidFill>
+                  <a:srgbClr val="000000"/>
+                </a:solidFill>
+                <a:effectLst/>
+                <a:latin typeface="+mj-lt"/>
+              </a:rPr>
+              <a:t>&lt;source&gt;</a:t>
+            </a:r>
+            <a:endParaRPr lang="en-US" sz="800" dirty="0">
+              <a:solidFill>
+                <a:srgbClr val="000000"/>
+              </a:solidFill>
+              <a:latin typeface="+mj-lt"/>
+            </a:endParaRPr>
+          </a:p>
+          <a:p>
+            <a:pPr marL="228600" indent="-228600">
+              <a:lnSpc>
+                <a:spcPct val="100000"/>
+              </a:lnSpc>
+              <a:buFont typeface="Arial" panose="020B0604020202020204" pitchFamily="34" charset="0"/>
+              <a:buAutoNum type="arabicPeriod"/>
+            </a:pPr>
+            <a:r>
+              <a:rPr lang="en-US" sz="800" b="0" i="0" dirty="0">
+                <a:solidFill>
+                  <a:srgbClr val="000000"/>
+                </a:solidFill>
+                <a:effectLst/>
+                <a:latin typeface="+mj-lt"/>
+              </a:rPr>
+              <a:t>&lt;source&gt;</a:t>
+            </a:r>
+            <a:endParaRPr lang="en-US" sz="800" dirty="0">
+              <a:solidFill>
+                <a:srgbClr val="000000"/>
+              </a:solidFill>
+              <a:latin typeface="+mj-lt"/>
+            </a:endParaRPr>
+          </a:p>
+          <a:p>
+            <a:pPr marL="228600" indent="-228600">
+              <a:lnSpc>
+                <a:spcPct val="100000"/>
+              </a:lnSpc>
+              <a:buFont typeface="Arial" panose="020B0604020202020204" pitchFamily="34" charset="0"/>
+              <a:buAutoNum type="arabicPeriod"/>
+            </a:pPr>
+            <a:r>
+              <a:rPr lang="en-US" sz="800" b="0" i="0" dirty="0">
+                <a:solidFill>
+                  <a:srgbClr val="000000"/>
+                </a:solidFill>
+                <a:effectLst/>
+                <a:latin typeface="+mj-lt"/>
+              </a:rPr>
+              <a:t>&lt;source&gt;</a:t>
+            </a:r>
+            <a:endParaRPr lang="en-US" sz="800" dirty="0">
+              <a:solidFill>
+                <a:srgbClr val="000000"/>
+              </a:solidFill>
+              <a:latin typeface="+mj-lt"/>
+            </a:endParaRPr>
+          </a:p>
+          <a:p>
+            <a:pPr marL="228600" indent="-228600">
+              <a:lnSpc>
+                <a:spcPct val="100000"/>
+              </a:lnSpc>
+              <a:buAutoNum type="arabicPeriod"/>
+            </a:pPr>
+            <a:endParaRPr lang="en-US" sz="800" dirty="0">
+              <a:solidFill>
+                <a:srgbClr val="000000"/>
+              </a:solidFill>
+              <a:latin typeface="+mj-lt"/>
+            </a:endParaRPr>
           </a:p>
         </p:txBody>
       </p:sp>
       <p:sp>
         <p:nvSpPr>
-          <p:cNvPr id="3" name="TextBox 2"/>
-          <p:cNvSpPr txBox="1"/>
-          <p:nvPr/>
-        </p:nvSpPr>
-        <p:spPr>
-          <a:xfrm>
-            <a:off x="0" y="530000"/>
-            <a:ext cx="6858000" cy="2059786"/>
-          </a:xfrm>
-          <a:prstGeom prst="rect">
-            <a:avLst/>
-          </a:prstGeom>
-          <a:noFill/>
-        </p:spPr>
-        <p:txBody>
-          <a:bodyPr wrap="none">
-            <a:spAutoFit/>
-          </a:bodyPr>
-          <a:lstStyle/>
-          <a:p>
-            <a:pPr>
-              <a:defRPr sz="1000"/>
-            </a:pPr>
-            <a:r>
-              <a:t>CENGN, une organisation basée à Ottawa, possède une serre intelligente en Ontario qui utilise</a:t>
-            </a:r>
-            <a:br/>
-            <a:r>
-              <a:t>l’Internet des objets pour s’automatiser, servant de laboratoire pour que les compagnies œuvrant</a:t>
-            </a:r>
-            <a:br/>
-            <a:r>
-              <a:t>dans le domaine des technologies de l’agriculture puissent prototyper². L’infrastructure récolte</a:t>
-            </a:r>
-            <a:br/>
-            <a:r>
-              <a:t>constamment des données comme l’humidité, la température et des images provenant d’objets</a:t>
-            </a:r>
-            <a:br/>
-            <a:r>
-              <a:t>connectés. Le CENGN utilise l’informatique de périphérie pour traiter ces données sur des</a:t>
-            </a:r>
-            <a:br/>
-            <a:r>
-              <a:t>serveurs mis en place directement sur le site de la serre. Les serveurs utilisent ces données</a:t>
-            </a:r>
-            <a:br/>
-            <a:r>
-              <a:t>pour prendre une décision et renvoie une réponse aux objets connectés en conséquence. Malgré que</a:t>
-            </a:r>
-            <a:br/>
-            <a:r>
-              <a:t>ce ne soit qu’un prototype, l’organisation croit que les futures serres intelligentes utiliseront</a:t>
-            </a:r>
-            <a:br/>
-            <a:r>
-              <a:t>l’informatique de périphérie plutôt que d’utiliser un fournisseur infonuagique certainement situé</a:t>
-            </a:r>
-            <a:br/>
-            <a:r>
-              <a:t>plus loin géographiquement. Au lieu que les données fassent des aller-retours sur de longues</a:t>
-            </a:r>
-            <a:br/>
-            <a:r>
-              <a:t>distances, cela fait en sorte que les données provenant des capteurs de la serre ont une très</a:t>
-            </a:r>
-            <a:br/>
-            <a:r>
-              <a:t>petite distance à parcourir avant d’être analysés, donc une plus petite latence et une</a:t>
-            </a:r>
-            <a:br/>
-            <a:r>
-              <a:t>utilisation moins gourmande du réseau.</a:t>
-            </a:r>
-          </a:p>
-        </p:txBody>
-      </p:sp>
-      <p:sp>
-        <p:nvSpPr>
-          <p:cNvPr id="9" name="Titre 1">
+          <p:cNvPr id="2" name="Titre 1">
             <a:extLst>
               <a:ext uri="{FF2B5EF4-FFF2-40B4-BE49-F238E27FC236}">
-                <a16:creationId xmlns:a16="http://schemas.microsoft.com/office/drawing/2014/main" id="{486D4E87-2BC6-989D-C31B-C94C23654F8A}"/>
+                <a16:creationId xmlns:a16="http://schemas.microsoft.com/office/drawing/2014/main" id="{0EB308C9-B187-9F32-110B-1A1B89D3DD46}"/>
               </a:ext>
             </a:extLst>
           </p:cNvPr>
-          <p:cNvSpPr>
-            <a:spLocks noGrp="1"/>
-          </p:cNvSpPr>
-          <p:nvPr>
-            <p:ph type="title"/>
-          </p:nvPr>
-        </p:nvSpPr>
-        <p:spPr>
-          <a:xfrm>
-            <a:off x="138545" y="2604786"/>
-            <a:ext cx="6557819" cy="400000"/>
-          </a:xfrm>
-        </p:spPr>
-        <p:txBody>
-          <a:bodyPr>
-            <a:normAutofit fontScale="90000"/>
-          </a:bodyPr>
-          <a:lstStyle/>
-          <a:p>
-            <a:pPr>
-              <a:defRPr b="1" i="1">
-                <a:solidFill>
-                  <a:schemeClr val="bg1"/>
-                </a:solidFill>
-              </a:defRPr>
-            </a:pPr>
-            <a:r>
-              <a:t>États-Unis</a:t>
-            </a:r>
-          </a:p>
-        </p:txBody>
-      </p:sp>
-      <p:sp>
-        <p:nvSpPr>
-          <p:cNvPr id="4" name="TextBox 3"/>
-          <p:cNvSpPr txBox="1"/>
-          <p:nvPr/>
-        </p:nvSpPr>
-        <p:spPr>
-          <a:xfrm>
-            <a:off x="138545" y="3019786"/>
-            <a:ext cx="6858000" cy="274320"/>
-          </a:xfrm>
-          <a:prstGeom prst="rect">
-            <a:avLst/>
-          </a:prstGeom>
-          <a:noFill/>
-        </p:spPr>
-        <p:txBody>
-          <a:bodyPr wrap="none">
-            <a:spAutoFit/>
-          </a:bodyPr>
-          <a:lstStyle/>
-          <a:p>
-            <a:pPr>
-              <a:defRPr sz="1100" b="1">
-                <a:solidFill>
-                  <a:schemeClr val="accent6"/>
-                </a:solidFill>
-              </a:defRPr>
-            </a:pPr>
-            <a:r>
-              <a:t>Technologies Web</a:t>
-            </a:r>
-          </a:p>
-        </p:txBody>
-      </p:sp>
-      <p:sp>
-        <p:nvSpPr>
-          <p:cNvPr id="5" name="TextBox 4"/>
-          <p:cNvSpPr txBox="1"/>
-          <p:nvPr/>
-        </p:nvSpPr>
-        <p:spPr>
-          <a:xfrm>
-            <a:off x="0" y="3294106"/>
-            <a:ext cx="6858000" cy="1710056"/>
-          </a:xfrm>
-          <a:prstGeom prst="rect">
-            <a:avLst/>
-          </a:prstGeom>
-          <a:noFill/>
-        </p:spPr>
-        <p:txBody>
-          <a:bodyPr wrap="none">
-            <a:spAutoFit/>
-          </a:bodyPr>
-          <a:lstStyle/>
-          <a:p>
-            <a:pPr>
-              <a:defRPr sz="1000"/>
-            </a:pPr>
-            <a:r>
-              <a:t>Cloudflare est une entreprise américaine qui offre des services de sécurité pour les sites web³.</a:t>
-            </a:r>
-            <a:br/>
-            <a:r>
-              <a:t>Les entreprises voulant un site web fiable et non-vulnérable, mais ne voulant pas s’occuper de</a:t>
-            </a:r>
-            <a:br/>
-            <a:r>
-              <a:t>toute la maintenance, utilisent Cloudflare. Ce service se place entre les utilisateurs et le site</a:t>
-            </a:r>
-            <a:br/>
-            <a:r>
-              <a:t>web et peut répartir les requêtes, s’assurant de ne pas surcharger le site en question. Si un</a:t>
-            </a:r>
-            <a:br/>
-            <a:r>
-              <a:t>utilisateur est au Québec et que le site web est hébergé à Londres, l’utilisateur va en premier</a:t>
-            </a:r>
-            <a:br/>
-            <a:r>
-              <a:t>devoir passer par le serveur de Cloudflare avant d’accéder au site web. Cela offre une protection</a:t>
-            </a:r>
-            <a:br/>
-            <a:r>
-              <a:t>au site, mais ajoute aussi une étape intermédiaire qui augmente la distance que doit parcourir</a:t>
-            </a:r>
-            <a:br/>
-            <a:r>
-              <a:t>les données et peut faire doubler le temps de chargement. Pour remédier à cela, Cloudflare a un</a:t>
-            </a:r>
-            <a:br/>
-            <a:r>
-              <a:t>réseau de serveurs périphériques à plusieurs endroits dans le monde, ce qui veut dire qu’il y a</a:t>
-            </a:r>
-            <a:br/>
-            <a:r>
-              <a:t>toujours un serveur à proximité de l’utilisateur. De cette manière, la latence est minimisée.</a:t>
-            </a:r>
-          </a:p>
-        </p:txBody>
-      </p:sp>
-      <p:sp>
-        <p:nvSpPr>
-          <p:cNvPr id="6" name="TextBox 5"/>
-          <p:cNvSpPr txBox="1"/>
-          <p:nvPr/>
-        </p:nvSpPr>
-        <p:spPr>
-          <a:xfrm>
-            <a:off x="0" y="5004162"/>
-            <a:ext cx="6858000" cy="1378732"/>
-          </a:xfrm>
-          <a:prstGeom prst="rect">
-            <a:avLst/>
-          </a:prstGeom>
-          <a:noFill/>
-        </p:spPr>
-        <p:txBody>
-          <a:bodyPr wrap="none">
-            <a:spAutoFit/>
-          </a:bodyPr>
-          <a:lstStyle/>
-          <a:p>
-            <a:pPr>
-              <a:defRPr sz="1000"/>
-            </a:pPr>
-            <a:r>
-              <a:t>L’informatique de périphérie est aussi utilisée par des solutions d’hébergement de sites web.</a:t>
-            </a:r>
-            <a:br/>
-            <a:r>
-              <a:t>Vercel est un hébergeur de sites web qui offre la possibilité de déployer son site sur plusieurs</a:t>
-            </a:r>
-            <a:br/>
-            <a:r>
-              <a:t>lieux géographiques en même temps. En effet, grâce à son “Edge Network”⁴, Vercel déploie les</a:t>
-            </a:r>
-            <a:br/>
-            <a:r>
-              <a:t>sites web de ses clients sur différents serveurs dans le monde. L’avantage est que si un</a:t>
-            </a:r>
-            <a:br/>
-            <a:r>
-              <a:t>utilisateur veut se connecter au site, il va se connecter au serveur le plus rapproché.</a:t>
-            </a:r>
-            <a:br/>
-            <a:r>
-              <a:t>Traditionnellement, un site web hébergé à un seul endroit ne pouvait pas offrir le même temps de</a:t>
-            </a:r>
-            <a:br/>
-            <a:r>
-              <a:t>chargement à tout le monde dépendamment de la position géographique des utilisateurs, mais avec</a:t>
-            </a:r>
-            <a:br/>
-            <a:r>
-              <a:t>l’informatique de périphérie, Vercel peut garantir un court temps de chargement peu importe</a:t>
-            </a:r>
-            <a:br/>
-            <a:r>
-              <a:t>l’emplacement.</a:t>
-            </a:r>
-          </a:p>
-        </p:txBody>
-      </p:sp>
-      <p:sp>
-        <p:nvSpPr>
-          <p:cNvPr id="7" name="TextBox 6"/>
-          <p:cNvSpPr txBox="1"/>
-          <p:nvPr/>
-        </p:nvSpPr>
-        <p:spPr>
-          <a:xfrm>
-            <a:off x="138545" y="6382894"/>
-            <a:ext cx="6858000" cy="274320"/>
-          </a:xfrm>
-          <a:prstGeom prst="rect">
-            <a:avLst/>
-          </a:prstGeom>
-          <a:noFill/>
-        </p:spPr>
-        <p:txBody>
-          <a:bodyPr wrap="none">
-            <a:spAutoFit/>
-          </a:bodyPr>
-          <a:lstStyle/>
-          <a:p>
-            <a:pPr>
-              <a:defRPr sz="1100" b="1">
-                <a:solidFill>
-                  <a:schemeClr val="accent6"/>
-                </a:solidFill>
-              </a:defRPr>
-            </a:pPr>
-            <a:r>
-              <a:t>Industriel</a:t>
-            </a:r>
-          </a:p>
-        </p:txBody>
-      </p:sp>
-      <p:sp>
-        <p:nvSpPr>
-          <p:cNvPr id="8" name="TextBox 7"/>
-          <p:cNvSpPr txBox="1"/>
-          <p:nvPr/>
-        </p:nvSpPr>
-        <p:spPr>
-          <a:xfrm>
-            <a:off x="0" y="6657214"/>
-            <a:ext cx="6858000" cy="2217081"/>
-          </a:xfrm>
-          <a:prstGeom prst="rect">
-            <a:avLst/>
-          </a:prstGeom>
-          <a:noFill/>
-        </p:spPr>
-        <p:txBody>
-          <a:bodyPr wrap="none">
-            <a:spAutoFit/>
-          </a:bodyPr>
-          <a:lstStyle/>
-          <a:p>
-            <a:pPr>
-              <a:defRPr sz="1000"/>
-            </a:pPr>
-            <a:r>
-              <a:t>Chevron, une compagnie dans l’industrie du pétrole, utilise l’informatique de périphérie pour</a:t>
-            </a:r>
-            <a:br/>
-            <a:r>
-              <a:t>plusieurs tâches. En effet, dû à ses opérations dans plusieurs endroits dans le monde, l’Internet</a:t>
-            </a:r>
-            <a:br/>
-            <a:r>
-              <a:t>n’est pas toujours facile d’accès. Par exemple, la compagnie possède des installations au large</a:t>
-            </a:r>
-            <a:br/>
-            <a:r>
-              <a:t>de la mer, les rendant très éloignées. Il est donc très approprié que les installations éloignées</a:t>
-            </a:r>
-            <a:br/>
-            <a:r>
-              <a:t>aient leurs propres serveurs sur place. Effectivement, leurs plateformes pétrolières collectent</a:t>
-            </a:r>
-            <a:br/>
-            <a:r>
-              <a:t>beaucoup de données provenant de capteurs qui surveillent la qualité de la machinerie⁵. Certains</a:t>
-            </a:r>
-            <a:br/>
-            <a:r>
-              <a:t>capteurs surveillent du matériel critique afin notamment d’assurer que la pression dans les</a:t>
-            </a:r>
-            <a:br/>
-            <a:r>
-              <a:t>tuyaux n’est pas trop élevée. Si ces capteurs détectent quelque chose d’anormal, il faut qu’ils</a:t>
-            </a:r>
-            <a:br/>
-            <a:r>
-              <a:t>agissent rapidement. Avoir des serveurs sur place leur permet de réduire la latence au maximum.</a:t>
-            </a:r>
-            <a:br/>
-            <a:r>
-              <a:t>En plus, ils sauvent beaucoup de bande passante, donc aussi de l’argent. Comme la compagnie opère</a:t>
-            </a:r>
-            <a:br/>
-            <a:r>
-              <a:t>dans différents pays, cela facilite aussi la conformité avec les lois sur la résidence des</a:t>
-            </a:r>
-            <a:br/>
-            <a:r>
-              <a:t>données de chaque pays⁶. Les données peuvent être traitées sur place de manière conforme aux lois</a:t>
-            </a:r>
-            <a:br/>
-            <a:r>
-              <a:t>du pays dans lequel les données sont collectées, avant d’être envoyées aux serveurs du siège</a:t>
-            </a:r>
-            <a:br/>
-            <a:r>
-              <a:t>social de Chevron.</a:t>
-            </a:r>
-          </a:p>
-        </p:txBody>
-      </p:sp>
-    </p:spTree>
-    <p:extLst>
-      <p:ext uri="{BB962C8B-B14F-4D97-AF65-F5344CB8AC3E}">
-        <p14:creationId xmlns:p14="http://schemas.microsoft.com/office/powerpoint/2010/main" val="2707958192"/>
-      </p:ext>
-    </p:extLst>
-  </p:cSld>
-  <p:clrMapOvr>
-    <a:masterClrMapping/>
-  </p:clrMapOvr>
-</p:sld>
-</file>
-
-<file path=ppt/slides/slide3.xml><?xml version="1.0" encoding="utf-8"?>
-<p:sld xmlns:a="http://schemas.openxmlformats.org/drawingml/2006/main" xmlns:r="http://schemas.openxmlformats.org/officeDocument/2006/relationships" xmlns:p="http://schemas.openxmlformats.org/presentationml/2006/main">
-  <p:cSld>
-    <p:spTree>
-      <p:nvGrpSpPr>
-        <p:cNvPr id="1" name=""/>
-        <p:cNvGrpSpPr/>
-        <p:nvPr/>
-      </p:nvGrpSpPr>
-      <p:grpSpPr>
-        <a:xfrm>
-          <a:off x="0" y="0"/>
-          <a:ext cx="0" cy="0"/>
-          <a:chOff x="0" y="0"/>
-          <a:chExt cx="0" cy="0"/>
-        </a:xfrm>
-      </p:grpSpPr>
-      <p:sp>
-        <p:nvSpPr>
-          <p:cNvPr id="2" name="Title 1"/>
-          <p:cNvSpPr>
-            <a:spLocks noGrp="1"/>
-          </p:cNvSpPr>
-          <p:nvPr>
-            <p:ph type="title"/>
-          </p:nvPr>
-        </p:nvSpPr>
-        <p:spPr>
-          <a:xfrm>
-            <a:off x="138545" y="15000"/>
-            <a:ext cx="6557819" cy="400000"/>
-          </a:xfrm>
-        </p:spPr>
-        <p:txBody>
-          <a:bodyPr>
-            <a:normAutofit fontScale="90000"/>
-          </a:bodyPr>
-          <a:lstStyle/>
-          <a:p>
-            <a:pPr>
-              <a:defRPr b="1" i="1">
-                <a:solidFill>
-                  <a:schemeClr val="bg1"/>
-                </a:solidFill>
-              </a:defRPr>
-            </a:pPr>
-            <a:r>
-              <a:t>France</a:t>
-            </a:r>
-          </a:p>
-        </p:txBody>
-      </p:sp>
-      <p:sp>
-        <p:nvSpPr>
-          <p:cNvPr id="3" name="TextBox 2"/>
-          <p:cNvSpPr txBox="1"/>
-          <p:nvPr/>
-        </p:nvSpPr>
-        <p:spPr>
-          <a:xfrm>
-            <a:off x="0" y="430000"/>
-            <a:ext cx="6858000" cy="1351958"/>
-          </a:xfrm>
-          <a:prstGeom prst="rect">
-            <a:avLst/>
-          </a:prstGeom>
-          <a:noFill/>
-        </p:spPr>
-        <p:txBody>
-          <a:bodyPr wrap="none">
-            <a:spAutoFit/>
-          </a:bodyPr>
-          <a:lstStyle/>
-          <a:p>
-            <a:pPr>
-              <a:defRPr sz="1000"/>
-            </a:pPr>
-            <a:r>
-              <a:t>Menta est une compagnie qui se spécialise dans les puces reprogrammables. C’est-à-dire des</a:t>
-            </a:r>
-            <a:br/>
-            <a:r>
-              <a:t>microprocesseurs avec une circuiterie modifiable même après la fabrication. La compagnie croit</a:t>
-            </a:r>
-            <a:br/>
-            <a:r>
-              <a:t>que l’informatique de périphérie nécessitera des machines avec microprocesseurs personnalisés⁷.</a:t>
-            </a:r>
-            <a:br/>
-            <a:r>
-              <a:t>En effet, les serveurs qui analysent les données à proximité de leur source, ont souvent une</a:t>
-            </a:r>
-            <a:br/>
-            <a:r>
-              <a:t>tâche très spécifique et traitent les données de manière différente en fonction de ce que veut la</a:t>
-            </a:r>
-            <a:br/>
-            <a:r>
-              <a:t>compagnie. Comme les microprocesseurs traditionnels tout usage ne sont pas nécessairement</a:t>
-            </a:r>
-            <a:br/>
-            <a:r>
-              <a:t>optimisés pour cette tâche, Menta offre la possibilité de programmer une puce pour qu’elle soit</a:t>
-            </a:r>
-            <a:br/>
-            <a:r>
-              <a:t>le plus adaptée pour la tâche qu’elle exécute et que le processus soit plus efficace.</a:t>
-            </a:r>
-          </a:p>
-        </p:txBody>
-      </p:sp>
-      <p:sp>
-        <p:nvSpPr>
-          <p:cNvPr id="9" name="Title 1"/>
-          <p:cNvSpPr>
-            <a:spLocks noGrp="1"/>
-          </p:cNvSpPr>
-          <p:nvPr>
-            <p:ph type="title"/>
-          </p:nvPr>
-        </p:nvSpPr>
-        <p:spPr>
-          <a:xfrm>
-            <a:off x="138545" y="1796958"/>
-            <a:ext cx="6557819" cy="400000"/>
-          </a:xfrm>
-        </p:spPr>
-        <p:txBody>
-          <a:bodyPr>
-            <a:normAutofit fontScale="90000"/>
-          </a:bodyPr>
-          <a:lstStyle/>
-          <a:p>
-            <a:pPr>
-              <a:defRPr b="1" i="1">
-                <a:solidFill>
-                  <a:schemeClr val="bg1"/>
-                </a:solidFill>
-              </a:defRPr>
-            </a:pPr>
-            <a:r>
-              <a:t>Royaume-Uni</a:t>
-            </a:r>
-          </a:p>
-        </p:txBody>
-      </p:sp>
-      <p:sp>
-        <p:nvSpPr>
-          <p:cNvPr id="4" name="TextBox 3"/>
-          <p:cNvSpPr txBox="1"/>
-          <p:nvPr/>
-        </p:nvSpPr>
-        <p:spPr>
-          <a:xfrm>
-            <a:off x="138545" y="2211958"/>
-            <a:ext cx="6858000" cy="274320"/>
-          </a:xfrm>
-          <a:prstGeom prst="rect">
-            <a:avLst/>
-          </a:prstGeom>
-          <a:noFill/>
-        </p:spPr>
-        <p:txBody>
-          <a:bodyPr wrap="none">
-            <a:spAutoFit/>
-          </a:bodyPr>
-          <a:lstStyle/>
-          <a:p>
-            <a:pPr>
-              <a:defRPr sz="1100" b="1">
-                <a:solidFill>
-                  <a:schemeClr val="accent6"/>
-                </a:solidFill>
-              </a:defRPr>
-            </a:pPr>
-            <a:r>
-              <a:t>Infonuagique</a:t>
-            </a:r>
-          </a:p>
-        </p:txBody>
-      </p:sp>
-      <p:sp>
-        <p:nvSpPr>
-          <p:cNvPr id="5" name="TextBox 4"/>
-          <p:cNvSpPr txBox="1"/>
-          <p:nvPr/>
-        </p:nvSpPr>
-        <p:spPr>
-          <a:xfrm>
-            <a:off x="0" y="2486278"/>
-            <a:ext cx="6858000" cy="767958"/>
-          </a:xfrm>
-          <a:prstGeom prst="rect">
-            <a:avLst/>
-          </a:prstGeom>
-          <a:noFill/>
-        </p:spPr>
-        <p:txBody>
-          <a:bodyPr wrap="none">
-            <a:spAutoFit/>
-          </a:bodyPr>
-          <a:lstStyle/>
-          <a:p>
-            <a:pPr>
-              <a:defRPr sz="1000"/>
-            </a:pPr>
-            <a:r>
-              <a:t>Ori Industries est une compagnie qui se spécialise dans les services infonuagiques. La compagnie</a:t>
-            </a:r>
-            <a:br/>
-            <a:r>
-              <a:t>propose une solution pour déployer une application sur différent fournisseur infonuagique</a:t>
-            </a:r>
-            <a:br/>
-            <a:r>
-              <a:t>(Google, Amazon, Azure), en même temps⁸. Cela leur permet d’offrir un réseau périphérique encore</a:t>
-            </a:r>
-            <a:br/>
-            <a:r>
-              <a:t>plus vaste, car ils ne dépendent pas de la localisation des centres de données d’un fournisseur</a:t>
-            </a:r>
-            <a:br/>
-            <a:r>
-              <a:t>en particulier.</a:t>
-            </a:r>
-          </a:p>
-        </p:txBody>
-      </p:sp>
-      <p:sp>
-        <p:nvSpPr>
-          <p:cNvPr id="6" name="TextBox 5"/>
-          <p:cNvSpPr txBox="1"/>
-          <p:nvPr/>
-        </p:nvSpPr>
-        <p:spPr>
-          <a:xfrm>
-            <a:off x="138545" y="3254236"/>
-            <a:ext cx="6858000" cy="274320"/>
-          </a:xfrm>
-          <a:prstGeom prst="rect">
-            <a:avLst/>
-          </a:prstGeom>
-          <a:noFill/>
-        </p:spPr>
-        <p:txBody>
-          <a:bodyPr wrap="none">
-            <a:spAutoFit/>
-          </a:bodyPr>
-          <a:lstStyle/>
-          <a:p>
-            <a:pPr>
-              <a:defRPr sz="1100" b="1">
-                <a:solidFill>
-                  <a:schemeClr val="accent6"/>
-                </a:solidFill>
-              </a:defRPr>
-            </a:pPr>
-            <a:r>
-              <a:t>Internet des objets</a:t>
-            </a:r>
-          </a:p>
-        </p:txBody>
-      </p:sp>
-      <p:sp>
-        <p:nvSpPr>
-          <p:cNvPr id="7" name="TextBox 6"/>
-          <p:cNvSpPr txBox="1"/>
-          <p:nvPr/>
-        </p:nvSpPr>
-        <p:spPr>
-          <a:xfrm>
-            <a:off x="0" y="3528556"/>
-            <a:ext cx="6858000" cy="1373712"/>
-          </a:xfrm>
-          <a:prstGeom prst="rect">
-            <a:avLst/>
-          </a:prstGeom>
-          <a:noFill/>
-        </p:spPr>
-        <p:txBody>
-          <a:bodyPr wrap="none">
-            <a:spAutoFit/>
-          </a:bodyPr>
-          <a:lstStyle/>
-          <a:p>
-            <a:pPr>
-              <a:defRPr sz="1000"/>
-            </a:pPr>
-            <a:r>
-              <a:t>Une autre compagnie britannique se spécialisant dans l’informatique de périphérie est Zededa.</a:t>
-            </a:r>
-            <a:br/>
-            <a:r>
-              <a:t>C'est une plateforme SaaS pour gérer un réseau de machines périphériques à grande échelle⁹. Par</a:t>
-            </a:r>
-            <a:br/>
-            <a:r>
-              <a:t>exemple, une compagnie qui possède plusieurs infrastructures et qui a un serveur dans chacune de</a:t>
-            </a:r>
-            <a:br/>
-            <a:r>
-              <a:t>celles-ci, peut facilement surveiller ses serveurs à partir de l’interface de Zededa. Le logiciel</a:t>
-            </a:r>
-            <a:br/>
-            <a:r>
-              <a:t>permet de facilement détecter s’il y a des problèmes avec une des infrastructures, de s’assurer</a:t>
-            </a:r>
-            <a:br/>
-            <a:r>
-              <a:t>que tous les points d’accès sont sécurisés, et même de pouvoir mettre à jour les logiciels</a:t>
-            </a:r>
-            <a:br/>
-            <a:r>
-              <a:t>exécutés sur les machines périphériques. Zededa évite ainsi de devoir aller physiquement</a:t>
-            </a:r>
-            <a:br/>
-            <a:r>
-              <a:t>maintenir les serveurs, qui peuvent parfois être localisés dans des endroits difficiles d’accès.</a:t>
-            </a:r>
-          </a:p>
-        </p:txBody>
-      </p:sp>
-      <p:sp>
-        <p:nvSpPr>
-          <p:cNvPr id="10" name="Title 1"/>
-          <p:cNvSpPr>
-            <a:spLocks noGrp="1"/>
-          </p:cNvSpPr>
-          <p:nvPr>
-            <p:ph type="title"/>
-          </p:nvPr>
-        </p:nvSpPr>
-        <p:spPr>
-          <a:xfrm>
-            <a:off x="138545" y="4917268"/>
-            <a:ext cx="6557819" cy="400000"/>
-          </a:xfrm>
-        </p:spPr>
-        <p:txBody>
-          <a:bodyPr>
-            <a:normAutofit fontScale="90000"/>
-          </a:bodyPr>
-          <a:lstStyle/>
-          <a:p>
-            <a:pPr>
-              <a:defRPr b="1" i="1">
-                <a:solidFill>
-                  <a:schemeClr val="bg1"/>
-                </a:solidFill>
-              </a:defRPr>
-            </a:pPr>
-            <a:r>
-              <a:t>Singapour</a:t>
-            </a:r>
-          </a:p>
-        </p:txBody>
-      </p:sp>
-      <p:sp>
-        <p:nvSpPr>
-          <p:cNvPr id="8" name="TextBox 7"/>
-          <p:cNvSpPr txBox="1"/>
-          <p:nvPr/>
-        </p:nvSpPr>
-        <p:spPr>
-          <a:xfrm>
-            <a:off x="0" y="5332268"/>
-            <a:ext cx="6858000" cy="1628061"/>
-          </a:xfrm>
-          <a:prstGeom prst="rect">
-            <a:avLst/>
-          </a:prstGeom>
-          <a:noFill/>
-        </p:spPr>
-        <p:txBody>
-          <a:bodyPr wrap="none">
-            <a:spAutoFit/>
-          </a:bodyPr>
-          <a:lstStyle/>
-          <a:p>
-            <a:pPr>
-              <a:defRPr sz="1000"/>
-            </a:pPr>
-            <a:r>
-              <a:t>ST Engineering, une compagnie de Singapour offrant des services dans le domaine de la sécurité</a:t>
-            </a:r>
-            <a:br/>
-            <a:r>
-              <a:t>pour les agences et les gouvernements, notamment des modèles d’intelligence artificielle pour de</a:t>
-            </a:r>
-            <a:br/>
-            <a:r>
-              <a:t>la reconnaissance faciale, de la détection de comportements anormales, et plus encore¹⁰. Leur</a:t>
-            </a:r>
-            <a:br/>
-            <a:r>
-              <a:t>service inclut la possibilité d’intégrer l’informatique de périphérie et de faire tourner leur</a:t>
-            </a:r>
-            <a:br/>
-            <a:r>
-              <a:t>logiciel d’intelligence artificielle sur des systèmes embarquées (appareil électronique</a:t>
-            </a:r>
-            <a:br/>
-            <a:r>
-              <a:t>spécialisé pour effectuer une tâche)¹¹. Cela permet par exemple de récupérer le flux d’une caméra</a:t>
-            </a:r>
-            <a:br/>
-            <a:r>
-              <a:t>de surveillance et de l’envoyé sur un ordinateur, et c’est ce même ordinateur qui exécutera le</a:t>
-            </a:r>
-            <a:br/>
-            <a:r>
-              <a:t>modèle d’IA de reconnaissance faciale. Les données de la caméra n’ont donc même pas besoin de</a:t>
-            </a:r>
-            <a:br/>
-            <a:r>
-              <a:t>passer par Internet, elles sont directement traitées sur place. Ce système a l’avantage de</a:t>
-            </a:r>
-            <a:br/>
-            <a:r>
-              <a:t>fonctionner sans connexion à un réseau, et n’a aucune latence.</a:t>
-            </a:r>
-          </a:p>
-        </p:txBody>
-      </p:sp>
-    </p:spTree>
-  </p:cSld>
-  <p:clrMapOvr>
-    <a:masterClrMapping/>
-  </p:clrMapOvr>
-</p:sld>
-</file>
-
-<file path=ppt/slides/slide4.xml><?xml version="1.0" encoding="utf-8"?>
-<p:sld xmlns:a="http://schemas.openxmlformats.org/drawingml/2006/main" xmlns:r="http://schemas.openxmlformats.org/officeDocument/2006/relationships" xmlns:p="http://schemas.openxmlformats.org/presentationml/2006/main">
-  <p:cSld>
-    <p:spTree>
-      <p:nvGrpSpPr>
-        <p:cNvPr id="1" name=""/>
-        <p:cNvGrpSpPr/>
-        <p:nvPr/>
-      </p:nvGrpSpPr>
-      <p:grpSpPr>
-        <a:xfrm>
-          <a:off x="0" y="0"/>
-          <a:ext cx="0" cy="0"/>
-          <a:chOff x="0" y="0"/>
-          <a:chExt cx="0" cy="0"/>
-        </a:xfrm>
-      </p:grpSpPr>
-      <p:sp>
-        <p:nvSpPr>
-          <p:cNvPr id="3" name="Title 1"/>
           <p:cNvSpPr>
             <a:spLocks noGrp="1"/>
           </p:cNvSpPr>
@@ -3179,9 +4023,7 @@
           </a:xfrm>
         </p:spPr>
         <p:txBody>
-          <a:bodyPr>
-            <a:normAutofit fontScale="90000"/>
-          </a:bodyPr>
+          <a:bodyPr/>
           <a:lstStyle/>
           <a:p>
             <a:pPr>
@@ -3194,1414 +4036,15 @@
             <a:r>
               <a:t>Sources</a:t>
             </a:r>
-          </a:p>
-        </p:txBody>
-      </p:sp>
-      <p:sp>
-        <p:nvSpPr>
-          <p:cNvPr id="10" name="Espace réservé du contenu 4">
-            <a:extLst>
-              <a:ext uri="{FF2B5EF4-FFF2-40B4-BE49-F238E27FC236}">
-                <a16:creationId xmlns:a16="http://schemas.microsoft.com/office/drawing/2014/main" id="{8C0D8D95-74FB-724D-7DF9-7BEA9738C7CE}"/>
-              </a:ext>
-            </a:extLst>
-          </p:cNvPr>
-          <p:cNvSpPr txBox="1">
-            <a:spLocks/>
-          </p:cNvSpPr>
-          <p:nvPr>
-            <p:custDataLst>
-              <p:tags r:id="rId1"/>
-            </p:custDataLst>
-          </p:nvPr>
-        </p:nvSpPr>
-        <p:spPr>
-          <a:xfrm>
-            <a:off x="138544" y="1208678"/>
-            <a:ext cx="6557819" cy="5232169"/>
-          </a:xfrm>
-          <a:prstGeom prst="rect">
-            <a:avLst/>
-          </a:prstGeom>
-        </p:spPr>
-        <p:txBody>
-          <a:bodyPr lIns="91440" tIns="45720" rIns="91440" bIns="45720" numCol="2" anchor="t">
-            <a:noAutofit/>
-          </a:bodyPr>
-          <a:lstStyle>
-            <a:lvl1pPr marL="128585" indent="-128585" algn="l" defTabSz="514337" rtl="0" eaLnBrk="1" latinLnBrk="0" hangingPunct="1">
-              <a:lnSpc>
-                <a:spcPct val="90000"/>
-              </a:lnSpc>
-              <a:spcBef>
-                <a:spcPts val="563"/>
-              </a:spcBef>
-              <a:buClr>
-                <a:schemeClr val="accent2"/>
-              </a:buClr>
-              <a:buFont typeface="Arial" panose="020B0604020202020204" pitchFamily="34" charset="0"/>
-              <a:buChar char="•"/>
-              <a:defRPr sz="1575" kern="1200">
-                <a:solidFill>
-                  <a:schemeClr val="tx1"/>
-                </a:solidFill>
-                <a:latin typeface="+mn-lt"/>
-                <a:ea typeface="+mn-ea"/>
-                <a:cs typeface="+mn-cs"/>
-              </a:defRPr>
-            </a:lvl1pPr>
-            <a:lvl2pPr marL="385754" indent="-128585" algn="l" defTabSz="514337" rtl="0" eaLnBrk="1" latinLnBrk="0" hangingPunct="1">
-              <a:lnSpc>
-                <a:spcPct val="90000"/>
-              </a:lnSpc>
-              <a:spcBef>
-                <a:spcPts val="281"/>
-              </a:spcBef>
-              <a:buClr>
-                <a:schemeClr val="accent5"/>
-              </a:buClr>
-              <a:buFont typeface="Arial" panose="020B0604020202020204" pitchFamily="34" charset="0"/>
-              <a:buChar char="•"/>
-              <a:defRPr sz="1350" kern="1200">
-                <a:solidFill>
-                  <a:schemeClr val="tx1"/>
-                </a:solidFill>
-                <a:latin typeface="+mn-lt"/>
-                <a:ea typeface="+mn-ea"/>
-                <a:cs typeface="+mn-cs"/>
-              </a:defRPr>
-            </a:lvl2pPr>
-            <a:lvl3pPr marL="642922" indent="-128585" algn="l" defTabSz="514337" rtl="0" eaLnBrk="1" latinLnBrk="0" hangingPunct="1">
-              <a:lnSpc>
-                <a:spcPct val="90000"/>
-              </a:lnSpc>
-              <a:spcBef>
-                <a:spcPts val="281"/>
-              </a:spcBef>
-              <a:buClr>
-                <a:schemeClr val="accent6"/>
-              </a:buClr>
-              <a:buFont typeface="Arial" panose="020B0604020202020204" pitchFamily="34" charset="0"/>
-              <a:buChar char="•"/>
-              <a:defRPr sz="1125" kern="1200">
-                <a:solidFill>
-                  <a:schemeClr val="tx1"/>
-                </a:solidFill>
-                <a:latin typeface="+mn-lt"/>
-                <a:ea typeface="+mn-ea"/>
-                <a:cs typeface="+mn-cs"/>
-              </a:defRPr>
-            </a:lvl3pPr>
-            <a:lvl4pPr marL="900091" indent="-128585" algn="l" defTabSz="514337" rtl="0" eaLnBrk="1" latinLnBrk="0" hangingPunct="1">
-              <a:lnSpc>
-                <a:spcPct val="90000"/>
-              </a:lnSpc>
-              <a:spcBef>
-                <a:spcPts val="281"/>
-              </a:spcBef>
-              <a:buClr>
-                <a:schemeClr val="accent6">
-                  <a:lumMod val="60000"/>
-                  <a:lumOff val="40000"/>
-                </a:schemeClr>
-              </a:buClr>
-              <a:buFont typeface="Arial" panose="020B0604020202020204" pitchFamily="34" charset="0"/>
-              <a:buChar char="•"/>
-              <a:defRPr sz="1013" kern="1200">
-                <a:solidFill>
-                  <a:schemeClr val="tx1"/>
-                </a:solidFill>
-                <a:latin typeface="+mn-lt"/>
-                <a:ea typeface="+mn-ea"/>
-                <a:cs typeface="+mn-cs"/>
-              </a:defRPr>
-            </a:lvl4pPr>
-            <a:lvl5pPr marL="1157259" indent="-128585" algn="l" defTabSz="514337" rtl="0" eaLnBrk="1" latinLnBrk="0" hangingPunct="1">
-              <a:lnSpc>
-                <a:spcPct val="90000"/>
-              </a:lnSpc>
-              <a:spcBef>
-                <a:spcPts val="281"/>
-              </a:spcBef>
-              <a:buClr>
-                <a:schemeClr val="accent6">
-                  <a:lumMod val="40000"/>
-                  <a:lumOff val="60000"/>
-                </a:schemeClr>
-              </a:buClr>
-              <a:buFont typeface="Arial" panose="020B0604020202020204" pitchFamily="34" charset="0"/>
-              <a:buChar char="•"/>
-              <a:defRPr sz="1013" kern="1200">
-                <a:solidFill>
-                  <a:schemeClr val="tx1"/>
-                </a:solidFill>
-                <a:latin typeface="+mn-lt"/>
-                <a:ea typeface="+mn-ea"/>
-                <a:cs typeface="+mn-cs"/>
-              </a:defRPr>
-            </a:lvl5pPr>
-            <a:lvl6pPr marL="1414428" indent="-128585" algn="l" defTabSz="514337" rtl="0" eaLnBrk="1" latinLnBrk="0" hangingPunct="1">
-              <a:lnSpc>
-                <a:spcPct val="90000"/>
-              </a:lnSpc>
-              <a:spcBef>
-                <a:spcPts val="281"/>
-              </a:spcBef>
-              <a:buFont typeface="Arial" panose="020B0604020202020204" pitchFamily="34" charset="0"/>
-              <a:buChar char="•"/>
-              <a:defRPr sz="1013" kern="1200">
-                <a:solidFill>
-                  <a:schemeClr val="tx1"/>
-                </a:solidFill>
-                <a:latin typeface="+mn-lt"/>
-                <a:ea typeface="+mn-ea"/>
-                <a:cs typeface="+mn-cs"/>
-              </a:defRPr>
-            </a:lvl6pPr>
-            <a:lvl7pPr marL="1671596" indent="-128585" algn="l" defTabSz="514337" rtl="0" eaLnBrk="1" latinLnBrk="0" hangingPunct="1">
-              <a:lnSpc>
-                <a:spcPct val="90000"/>
-              </a:lnSpc>
-              <a:spcBef>
-                <a:spcPts val="281"/>
-              </a:spcBef>
-              <a:buFont typeface="Arial" panose="020B0604020202020204" pitchFamily="34" charset="0"/>
-              <a:buChar char="•"/>
-              <a:defRPr sz="1013" kern="1200">
-                <a:solidFill>
-                  <a:schemeClr val="tx1"/>
-                </a:solidFill>
-                <a:latin typeface="+mn-lt"/>
-                <a:ea typeface="+mn-ea"/>
-                <a:cs typeface="+mn-cs"/>
-              </a:defRPr>
-            </a:lvl7pPr>
-            <a:lvl8pPr marL="1928765" indent="-128585" algn="l" defTabSz="514337" rtl="0" eaLnBrk="1" latinLnBrk="0" hangingPunct="1">
-              <a:lnSpc>
-                <a:spcPct val="90000"/>
-              </a:lnSpc>
-              <a:spcBef>
-                <a:spcPts val="281"/>
-              </a:spcBef>
-              <a:buFont typeface="Arial" panose="020B0604020202020204" pitchFamily="34" charset="0"/>
-              <a:buChar char="•"/>
-              <a:defRPr sz="1013" kern="1200">
-                <a:solidFill>
-                  <a:schemeClr val="tx1"/>
-                </a:solidFill>
-                <a:latin typeface="+mn-lt"/>
-                <a:ea typeface="+mn-ea"/>
-                <a:cs typeface="+mn-cs"/>
-              </a:defRPr>
-            </a:lvl8pPr>
-            <a:lvl9pPr marL="2185934" indent="-128585" algn="l" defTabSz="514337" rtl="0" eaLnBrk="1" latinLnBrk="0" hangingPunct="1">
-              <a:lnSpc>
-                <a:spcPct val="90000"/>
-              </a:lnSpc>
-              <a:spcBef>
-                <a:spcPts val="281"/>
-              </a:spcBef>
-              <a:buFont typeface="Arial" panose="020B0604020202020204" pitchFamily="34" charset="0"/>
-              <a:buChar char="•"/>
-              <a:defRPr sz="1013" kern="1200">
-                <a:solidFill>
-                  <a:schemeClr val="tx1"/>
-                </a:solidFill>
-                <a:latin typeface="+mn-lt"/>
-                <a:ea typeface="+mn-ea"/>
-                <a:cs typeface="+mn-cs"/>
-              </a:defRPr>
-            </a:lvl9pPr>
-          </a:lstStyle>
-          <a:p>
-            <a:pPr marL="228600" indent="-228600">
-              <a:lnSpc>
-                <a:spcPct val="100000"/>
-              </a:lnSpc>
-              <a:buFont typeface="Arial" panose="020B0604020202020204" pitchFamily="34" charset="0"/>
-              <a:buAutoNum type="arabicPeriod"/>
-              <a:defRPr sz="800"/>
-            </a:pPr>
-            <a:r>
-              <a:rPr>
-                <a:hlinkClick r:id="rId3"/>
-              </a:rPr>
-              <a:t>https://explodingtopics.com/blog/corporate-cloud-data</a:t>
-            </a:r>
-          </a:p>
-          <a:p>
-            <a:pPr marL="228600" indent="-228600">
-              <a:lnSpc>
-                <a:spcPct val="100000"/>
-              </a:lnSpc>
-              <a:buAutoNum type="arabicPeriod"/>
-              <a:defRPr sz="800"/>
-            </a:pPr>
-            <a:r>
-              <a:rPr>
-                <a:hlinkClick r:id="rId4"/>
-              </a:rPr>
-              <a:t>www.cengn.ca/services/commercialization-services/smart-agriculture-program/</a:t>
-            </a:r>
-            <a:endParaRPr lang="en-US" sz="800" dirty="0">
-              <a:solidFill>
-                <a:srgbClr val="000000"/>
-              </a:solidFill>
-              <a:latin typeface="+mj-lt"/>
-            </a:endParaRPr>
-          </a:p>
-          <a:p>
-            <a:pPr marL="228600" indent="-228600">
-              <a:lnSpc>
-                <a:spcPct val="100000"/>
-              </a:lnSpc>
-              <a:buFont typeface="Arial" panose="020B0604020202020204" pitchFamily="34" charset="0"/>
-              <a:buAutoNum type="arabicPeriod"/>
-              <a:defRPr sz="800"/>
-            </a:pPr>
-            <a:r>
-              <a:rPr>
-                <a:hlinkClick r:id="rId5"/>
-              </a:rPr>
-              <a:t>www.cloudflare.com/application-services/</a:t>
-            </a:r>
-          </a:p>
-          <a:p>
-            <a:pPr marL="228600" indent="-228600">
-              <a:lnSpc>
-                <a:spcPct val="100000"/>
-              </a:lnSpc>
-              <a:buAutoNum type="arabicPeriod"/>
-              <a:defRPr sz="800"/>
-            </a:pPr>
-            <a:r>
-              <a:rPr>
-                <a:hlinkClick r:id="rId6"/>
-              </a:rPr>
-              <a:t>vercel.com/docs/concepts/edge-network/overview</a:t>
-            </a:r>
-            <a:endParaRPr lang="en-US" sz="800" dirty="0">
-              <a:solidFill>
-                <a:srgbClr val="000000"/>
-              </a:solidFill>
-              <a:latin typeface="+mj-lt"/>
-            </a:endParaRPr>
-          </a:p>
-          <a:p>
-            <a:pPr marL="228600" indent="-228600">
-              <a:lnSpc>
-                <a:spcPct val="100000"/>
-              </a:lnSpc>
-              <a:buFont typeface="Arial" panose="020B0604020202020204" pitchFamily="34" charset="0"/>
-              <a:buAutoNum type="arabicPeriod"/>
-              <a:defRPr sz="800"/>
-            </a:pPr>
-            <a:r>
-              <a:rPr>
-                <a:hlinkClick r:id="rId7"/>
-              </a:rPr>
-              <a:t>www.iothub.com.au/news/chevron-scales-up-industrial-iot-pilot-513758</a:t>
-            </a:r>
-            <a:endParaRPr lang="fr-FR" sz="800" b="0" i="0" dirty="0">
-              <a:solidFill>
-                <a:srgbClr val="000000"/>
-              </a:solidFill>
-              <a:effectLst/>
-              <a:latin typeface="+mj-lt"/>
-            </a:endParaRPr>
-          </a:p>
-          <a:p>
-            <a:pPr marL="228600" indent="-228600">
-              <a:lnSpc>
-                <a:spcPct val="100000"/>
-              </a:lnSpc>
-              <a:buAutoNum type="arabicPeriod"/>
-              <a:defRPr sz="800"/>
-            </a:pPr>
-            <a:r>
-              <a:rPr>
-                <a:hlinkClick r:id="rId8"/>
-              </a:rPr>
-              <a:t>https://www.datacenterknowledge.com/microsoft/how-microsoft-extending-its-cloud-chevron-s-oil-fields</a:t>
-            </a:r>
-            <a:endParaRPr lang="en-US" sz="800" dirty="0">
-              <a:solidFill>
-                <a:srgbClr val="000000"/>
-              </a:solidFill>
-              <a:latin typeface="+mj-lt"/>
-            </a:endParaRPr>
-          </a:p>
-          <a:p>
-            <a:pPr marL="228600" indent="-228600">
-              <a:lnSpc>
-                <a:spcPct val="100000"/>
-              </a:lnSpc>
-              <a:buAutoNum type="arabicPeriod"/>
-              <a:defRPr sz="800"/>
-            </a:pPr>
-            <a:r>
-              <a:rPr>
-                <a:hlinkClick r:id="rId9"/>
-              </a:rPr>
-              <a:t>www.lepoint.fr/services/menta-le-leader-europeen-de-la-reprogrammation-hardware-embarquee-28-03-2022-2469874_4345.php</a:t>
-            </a:r>
-            <a:endParaRPr lang="en-US" sz="800" dirty="0">
-              <a:solidFill>
-                <a:srgbClr val="000000"/>
-              </a:solidFill>
-              <a:latin typeface="+mj-lt"/>
-            </a:endParaRPr>
-          </a:p>
-          <a:p>
-            <a:pPr marL="228600" indent="-228600">
-              <a:lnSpc>
-                <a:spcPct val="100000"/>
-              </a:lnSpc>
-              <a:buAutoNum type="arabicPeriod"/>
-              <a:defRPr sz="800"/>
-            </a:pPr>
-            <a:r>
-              <a:rPr>
-                <a:hlinkClick r:id="rId10"/>
-              </a:rPr>
-              <a:t>ori.co/multicloud-networking</a:t>
-            </a:r>
-            <a:endParaRPr lang="en-US" sz="800" dirty="0">
-              <a:solidFill>
-                <a:srgbClr val="000000"/>
-              </a:solidFill>
-              <a:latin typeface="+mj-lt"/>
-            </a:endParaRPr>
-          </a:p>
-          <a:p>
-            <a:pPr marL="228600" indent="-228600">
-              <a:lnSpc>
-                <a:spcPct val="100000"/>
-              </a:lnSpc>
-              <a:buAutoNum type="arabicPeriod"/>
-              <a:defRPr sz="800"/>
-            </a:pPr>
-            <a:r>
-              <a:rPr>
-                <a:hlinkClick r:id="rId11"/>
-              </a:rPr>
-              <a:t>zededa.com/products/</a:t>
-            </a:r>
-            <a:endParaRPr lang="en-US" sz="800" dirty="0">
-              <a:solidFill>
-                <a:srgbClr val="000000"/>
-              </a:solidFill>
-              <a:latin typeface="+mj-lt"/>
-            </a:endParaRPr>
-          </a:p>
-          <a:p>
-            <a:pPr marL="228600" indent="-228600">
-              <a:lnSpc>
-                <a:spcPct val="100000"/>
-              </a:lnSpc>
-              <a:buAutoNum type="arabicPeriod"/>
-              <a:defRPr sz="800"/>
-            </a:pPr>
-            <a:r>
-              <a:rPr>
-                <a:hlinkClick r:id="rId12"/>
-              </a:rPr>
-              <a:t>https://www.stengg.com/en/digital-tech/data-science-analytics-and-ai/video-analytics/</a:t>
-            </a:r>
-            <a:endParaRPr lang="en-US" sz="800" dirty="0">
-              <a:solidFill>
-                <a:srgbClr val="000000"/>
-              </a:solidFill>
-              <a:latin typeface="+mj-lt"/>
-            </a:endParaRPr>
-          </a:p>
-          <a:p>
-            <a:pPr marL="228600" indent="-228600">
-              <a:lnSpc>
-                <a:spcPct val="100000"/>
-              </a:lnSpc>
-              <a:buAutoNum type="arabicPeriod"/>
-              <a:defRPr sz="800"/>
-            </a:pPr>
-            <a:r>
-              <a:rPr>
-                <a:hlinkClick r:id="rId13"/>
-              </a:rPr>
-              <a:t>https://www.stengg.com/en/digital-tech/data-science-analytics-and-ai/edge-analytics/</a:t>
-            </a:r>
-            <a:endParaRPr lang="en-US" sz="800" dirty="0">
-              <a:solidFill>
-                <a:srgbClr val="000000"/>
-              </a:solidFill>
-              <a:latin typeface="+mj-lt"/>
-            </a:endParaRPr>
-          </a:p>
-          <a:p>
-            <a:pPr marL="228600" indent="-228600">
-              <a:lnSpc>
-                <a:spcPct val="100000"/>
-              </a:lnSpc>
-              <a:buAutoNum type="arabicPeriod"/>
-            </a:pPr>
-            <a:r>
-              <a:rPr lang="en-US" sz="800" b="0" i="0" dirty="0">
-                <a:solidFill>
-                  <a:srgbClr val="000000"/>
-                </a:solidFill>
-                <a:effectLst/>
-                <a:latin typeface="+mj-lt"/>
-              </a:rPr>
-              <a:t>&lt;source&gt;</a:t>
-            </a:r>
-            <a:endParaRPr lang="en-US" sz="800" dirty="0">
-              <a:solidFill>
-                <a:srgbClr val="000000"/>
-              </a:solidFill>
-              <a:latin typeface="+mj-lt"/>
-            </a:endParaRPr>
-          </a:p>
-          <a:p>
-            <a:pPr marL="228600" indent="-228600">
-              <a:lnSpc>
-                <a:spcPct val="100000"/>
-              </a:lnSpc>
-              <a:buAutoNum type="arabicPeriod"/>
-            </a:pPr>
-            <a:r>
-              <a:rPr lang="en-US" sz="800" b="0" i="0" dirty="0">
-                <a:solidFill>
-                  <a:srgbClr val="000000"/>
-                </a:solidFill>
-                <a:effectLst/>
-                <a:latin typeface="+mj-lt"/>
-              </a:rPr>
-              <a:t>&lt;source&gt;</a:t>
-            </a:r>
-            <a:endParaRPr lang="en-US" sz="800" dirty="0">
-              <a:solidFill>
-                <a:srgbClr val="000000"/>
-              </a:solidFill>
-              <a:latin typeface="+mj-lt"/>
-            </a:endParaRPr>
-          </a:p>
-          <a:p>
-            <a:pPr marL="228600" indent="-228600">
-              <a:lnSpc>
-                <a:spcPct val="100000"/>
-              </a:lnSpc>
-              <a:buAutoNum type="arabicPeriod"/>
-            </a:pPr>
-            <a:r>
-              <a:rPr lang="en-US" sz="800" b="0" i="0" dirty="0">
-                <a:solidFill>
-                  <a:srgbClr val="000000"/>
-                </a:solidFill>
-                <a:effectLst/>
-                <a:latin typeface="+mj-lt"/>
-              </a:rPr>
-              <a:t>&lt;source&gt;</a:t>
-            </a:r>
-            <a:endParaRPr lang="en-US" sz="800" dirty="0">
-              <a:solidFill>
-                <a:srgbClr val="000000"/>
-              </a:solidFill>
-              <a:latin typeface="+mj-lt"/>
-            </a:endParaRPr>
-          </a:p>
-          <a:p>
-            <a:pPr marL="228600" indent="-228600">
-              <a:lnSpc>
-                <a:spcPct val="100000"/>
-              </a:lnSpc>
-              <a:buAutoNum type="arabicPeriod"/>
-            </a:pPr>
-            <a:r>
-              <a:rPr lang="en-US" sz="800" b="0" i="0" dirty="0">
-                <a:solidFill>
-                  <a:srgbClr val="000000"/>
-                </a:solidFill>
-                <a:effectLst/>
-                <a:latin typeface="+mj-lt"/>
-              </a:rPr>
-              <a:t>&lt;source&gt;</a:t>
-            </a:r>
-            <a:endParaRPr lang="en-US" sz="800" dirty="0">
-              <a:solidFill>
-                <a:srgbClr val="000000"/>
-              </a:solidFill>
-              <a:latin typeface="+mj-lt"/>
-            </a:endParaRPr>
-          </a:p>
-          <a:p>
-            <a:pPr marL="228600" indent="-228600">
-              <a:lnSpc>
-                <a:spcPct val="100000"/>
-              </a:lnSpc>
-              <a:buAutoNum type="arabicPeriod"/>
-            </a:pPr>
-            <a:r>
-              <a:rPr lang="en-US" sz="800" b="0" i="0" dirty="0">
-                <a:solidFill>
-                  <a:srgbClr val="000000"/>
-                </a:solidFill>
-                <a:effectLst/>
-                <a:latin typeface="+mj-lt"/>
-              </a:rPr>
-              <a:t>&lt;source&gt;</a:t>
-            </a:r>
-            <a:endParaRPr lang="en-US" sz="800" dirty="0">
-              <a:solidFill>
-                <a:srgbClr val="000000"/>
-              </a:solidFill>
-              <a:latin typeface="+mj-lt"/>
-            </a:endParaRPr>
-          </a:p>
-          <a:p>
-            <a:pPr marL="228600" indent="-228600">
-              <a:lnSpc>
-                <a:spcPct val="100000"/>
-              </a:lnSpc>
-              <a:buAutoNum type="arabicPeriod"/>
-            </a:pPr>
-            <a:r>
-              <a:rPr lang="en-US" sz="800" b="0" i="0" dirty="0">
-                <a:solidFill>
-                  <a:srgbClr val="000000"/>
-                </a:solidFill>
-                <a:effectLst/>
-                <a:latin typeface="+mj-lt"/>
-              </a:rPr>
-              <a:t>&lt;source&gt;</a:t>
-            </a:r>
-            <a:endParaRPr lang="en-US" sz="800" dirty="0">
-              <a:solidFill>
-                <a:srgbClr val="000000"/>
-              </a:solidFill>
-              <a:latin typeface="+mj-lt"/>
-            </a:endParaRPr>
-          </a:p>
-          <a:p>
-            <a:pPr marL="228600" indent="-228600">
-              <a:lnSpc>
-                <a:spcPct val="100000"/>
-              </a:lnSpc>
-              <a:buAutoNum type="arabicPeriod"/>
-            </a:pPr>
-            <a:r>
-              <a:rPr lang="en-US" sz="800" b="0" i="0" dirty="0">
-                <a:solidFill>
-                  <a:srgbClr val="000000"/>
-                </a:solidFill>
-                <a:effectLst/>
-                <a:latin typeface="+mj-lt"/>
-              </a:rPr>
-              <a:t>&lt;source&gt;</a:t>
-            </a:r>
-            <a:endParaRPr lang="en-US" sz="800" dirty="0">
-              <a:solidFill>
-                <a:srgbClr val="000000"/>
-              </a:solidFill>
-              <a:latin typeface="+mj-lt"/>
-            </a:endParaRPr>
-          </a:p>
-          <a:p>
-            <a:pPr marL="228600" indent="-228600">
-              <a:lnSpc>
-                <a:spcPct val="100000"/>
-              </a:lnSpc>
-              <a:buAutoNum type="arabicPeriod"/>
-            </a:pPr>
-            <a:r>
-              <a:rPr lang="en-US" sz="800" b="0" i="0" dirty="0">
-                <a:solidFill>
-                  <a:srgbClr val="000000"/>
-                </a:solidFill>
-                <a:effectLst/>
-                <a:latin typeface="+mj-lt"/>
-              </a:rPr>
-              <a:t>&lt;source&gt;</a:t>
-            </a:r>
-            <a:endParaRPr lang="en-US" sz="800" dirty="0">
-              <a:solidFill>
-                <a:srgbClr val="000000"/>
-              </a:solidFill>
-              <a:latin typeface="+mj-lt"/>
-            </a:endParaRPr>
-          </a:p>
-          <a:p>
-            <a:pPr marL="228600" indent="-228600">
-              <a:lnSpc>
-                <a:spcPct val="100000"/>
-              </a:lnSpc>
-              <a:buAutoNum type="arabicPeriod"/>
-            </a:pPr>
-            <a:r>
-              <a:rPr lang="en-US" sz="800" b="0" i="0" dirty="0">
-                <a:solidFill>
-                  <a:srgbClr val="000000"/>
-                </a:solidFill>
-                <a:effectLst/>
-                <a:latin typeface="+mj-lt"/>
-              </a:rPr>
-              <a:t>&lt;source&gt;</a:t>
-            </a:r>
-            <a:endParaRPr lang="en-US" sz="800" dirty="0">
-              <a:solidFill>
-                <a:srgbClr val="000000"/>
-              </a:solidFill>
-              <a:latin typeface="+mj-lt"/>
-            </a:endParaRPr>
-          </a:p>
-          <a:p>
-            <a:pPr marL="228600" indent="-228600">
-              <a:lnSpc>
-                <a:spcPct val="100000"/>
-              </a:lnSpc>
-              <a:buAutoNum type="arabicPeriod"/>
-            </a:pPr>
-            <a:r>
-              <a:rPr lang="en-US" sz="800" b="0" i="0" dirty="0">
-                <a:solidFill>
-                  <a:srgbClr val="000000"/>
-                </a:solidFill>
-                <a:effectLst/>
-                <a:latin typeface="+mj-lt"/>
-              </a:rPr>
-              <a:t>&lt;source&gt;</a:t>
-            </a:r>
-            <a:endParaRPr lang="en-US" sz="800" dirty="0">
-              <a:solidFill>
-                <a:srgbClr val="000000"/>
-              </a:solidFill>
-              <a:latin typeface="+mj-lt"/>
-            </a:endParaRPr>
-          </a:p>
-          <a:p>
-            <a:pPr marL="228600" indent="-228600">
-              <a:lnSpc>
-                <a:spcPct val="100000"/>
-              </a:lnSpc>
-              <a:buAutoNum type="arabicPeriod"/>
-            </a:pPr>
-            <a:r>
-              <a:rPr lang="en-US" sz="800" b="0" i="0" dirty="0">
-                <a:solidFill>
-                  <a:srgbClr val="000000"/>
-                </a:solidFill>
-                <a:effectLst/>
-                <a:latin typeface="+mj-lt"/>
-              </a:rPr>
-              <a:t>&lt;source&gt;</a:t>
-            </a:r>
-            <a:endParaRPr lang="en-US" sz="800" dirty="0">
-              <a:solidFill>
-                <a:srgbClr val="000000"/>
-              </a:solidFill>
-              <a:latin typeface="+mj-lt"/>
-            </a:endParaRPr>
-          </a:p>
-          <a:p>
-            <a:pPr marL="228600" indent="-228600">
-              <a:lnSpc>
-                <a:spcPct val="100000"/>
-              </a:lnSpc>
-              <a:buAutoNum type="arabicPeriod"/>
-            </a:pPr>
-            <a:r>
-              <a:rPr lang="en-US" sz="800" b="0" i="0" dirty="0">
-                <a:solidFill>
-                  <a:srgbClr val="000000"/>
-                </a:solidFill>
-                <a:effectLst/>
-                <a:latin typeface="+mj-lt"/>
-              </a:rPr>
-              <a:t>&lt;source&gt;</a:t>
-            </a:r>
-            <a:endParaRPr lang="en-US" sz="800" dirty="0">
-              <a:solidFill>
-                <a:srgbClr val="000000"/>
-              </a:solidFill>
-              <a:latin typeface="+mj-lt"/>
-            </a:endParaRPr>
-          </a:p>
-          <a:p>
-            <a:pPr marL="228600" indent="-228600">
-              <a:lnSpc>
-                <a:spcPct val="100000"/>
-              </a:lnSpc>
-              <a:buAutoNum type="arabicPeriod"/>
-            </a:pPr>
-            <a:r>
-              <a:rPr lang="en-US" sz="800" b="0" i="0" dirty="0">
-                <a:solidFill>
-                  <a:srgbClr val="000000"/>
-                </a:solidFill>
-                <a:effectLst/>
-                <a:latin typeface="+mj-lt"/>
-              </a:rPr>
-              <a:t> &lt;source&gt;</a:t>
-            </a:r>
-          </a:p>
-          <a:p>
-            <a:pPr marL="228600" indent="-228600">
-              <a:lnSpc>
-                <a:spcPct val="100000"/>
-              </a:lnSpc>
-              <a:buFont typeface="Arial" panose="020B0604020202020204" pitchFamily="34" charset="0"/>
-              <a:buAutoNum type="arabicPeriod"/>
-            </a:pPr>
-            <a:r>
-              <a:rPr lang="en-US" sz="800" b="0" i="0" dirty="0">
-                <a:solidFill>
-                  <a:srgbClr val="000000"/>
-                </a:solidFill>
-                <a:effectLst/>
-                <a:latin typeface="+mj-lt"/>
-              </a:rPr>
-              <a:t>&lt;source&gt;</a:t>
-            </a:r>
-            <a:endParaRPr lang="en-US" sz="800" dirty="0">
-              <a:solidFill>
-                <a:srgbClr val="000000"/>
-              </a:solidFill>
-              <a:latin typeface="+mj-lt"/>
-            </a:endParaRPr>
-          </a:p>
-          <a:p>
-            <a:pPr marL="228600" indent="-228600">
-              <a:lnSpc>
-                <a:spcPct val="100000"/>
-              </a:lnSpc>
-              <a:buFont typeface="Arial" panose="020B0604020202020204" pitchFamily="34" charset="0"/>
-              <a:buAutoNum type="arabicPeriod"/>
-            </a:pPr>
-            <a:r>
-              <a:rPr lang="en-US" sz="800" b="0" i="0" dirty="0">
-                <a:solidFill>
-                  <a:srgbClr val="000000"/>
-                </a:solidFill>
-                <a:effectLst/>
-                <a:latin typeface="+mj-lt"/>
-              </a:rPr>
-              <a:t>&lt;source&gt;</a:t>
-            </a:r>
-            <a:endParaRPr lang="en-US" sz="800" dirty="0">
-              <a:solidFill>
-                <a:srgbClr val="000000"/>
-              </a:solidFill>
-              <a:latin typeface="+mj-lt"/>
-            </a:endParaRPr>
-          </a:p>
-          <a:p>
-            <a:pPr marL="228600" indent="-228600">
-              <a:lnSpc>
-                <a:spcPct val="100000"/>
-              </a:lnSpc>
-              <a:buFont typeface="Arial" panose="020B0604020202020204" pitchFamily="34" charset="0"/>
-              <a:buAutoNum type="arabicPeriod"/>
-            </a:pPr>
-            <a:r>
-              <a:rPr lang="en-US" sz="800" b="0" i="0" dirty="0">
-                <a:solidFill>
-                  <a:srgbClr val="000000"/>
-                </a:solidFill>
-                <a:effectLst/>
-                <a:latin typeface="+mj-lt"/>
-              </a:rPr>
-              <a:t>&lt;source&gt;</a:t>
-            </a:r>
-            <a:endParaRPr lang="en-US" sz="800" dirty="0">
-              <a:solidFill>
-                <a:srgbClr val="000000"/>
-              </a:solidFill>
-              <a:latin typeface="+mj-lt"/>
-            </a:endParaRPr>
-          </a:p>
-          <a:p>
-            <a:pPr marL="228600" indent="-228600">
-              <a:lnSpc>
-                <a:spcPct val="100000"/>
-              </a:lnSpc>
-              <a:buFont typeface="Arial" panose="020B0604020202020204" pitchFamily="34" charset="0"/>
-              <a:buAutoNum type="arabicPeriod"/>
-            </a:pPr>
-            <a:r>
-              <a:rPr lang="en-US" sz="800" b="0" i="0" dirty="0">
-                <a:solidFill>
-                  <a:srgbClr val="000000"/>
-                </a:solidFill>
-                <a:effectLst/>
-                <a:latin typeface="+mj-lt"/>
-              </a:rPr>
-              <a:t>&lt;source&gt;</a:t>
-            </a:r>
-            <a:endParaRPr lang="en-US" sz="800" dirty="0">
-              <a:solidFill>
-                <a:srgbClr val="000000"/>
-              </a:solidFill>
-              <a:latin typeface="+mj-lt"/>
-            </a:endParaRPr>
-          </a:p>
-          <a:p>
-            <a:pPr marL="228600" indent="-228600">
-              <a:lnSpc>
-                <a:spcPct val="100000"/>
-              </a:lnSpc>
-              <a:buFont typeface="Arial" panose="020B0604020202020204" pitchFamily="34" charset="0"/>
-              <a:buAutoNum type="arabicPeriod"/>
-            </a:pPr>
-            <a:r>
-              <a:rPr lang="en-US" sz="800" b="0" i="0" dirty="0">
-                <a:solidFill>
-                  <a:srgbClr val="000000"/>
-                </a:solidFill>
-                <a:effectLst/>
-                <a:latin typeface="+mj-lt"/>
-              </a:rPr>
-              <a:t>&lt;source&gt;</a:t>
-            </a:r>
-            <a:endParaRPr lang="en-US" sz="800" dirty="0">
-              <a:solidFill>
-                <a:srgbClr val="000000"/>
-              </a:solidFill>
-              <a:latin typeface="+mj-lt"/>
-            </a:endParaRPr>
-          </a:p>
-          <a:p>
-            <a:pPr marL="228600" indent="-228600">
-              <a:lnSpc>
-                <a:spcPct val="100000"/>
-              </a:lnSpc>
-              <a:buFont typeface="Arial" panose="020B0604020202020204" pitchFamily="34" charset="0"/>
-              <a:buAutoNum type="arabicPeriod"/>
-            </a:pPr>
-            <a:r>
-              <a:rPr lang="en-US" sz="800" b="0" i="0" dirty="0">
-                <a:solidFill>
-                  <a:srgbClr val="000000"/>
-                </a:solidFill>
-                <a:effectLst/>
-                <a:latin typeface="+mj-lt"/>
-              </a:rPr>
-              <a:t>&lt;source&gt;</a:t>
-            </a:r>
-            <a:endParaRPr lang="en-US" sz="800" dirty="0">
-              <a:solidFill>
-                <a:srgbClr val="000000"/>
-              </a:solidFill>
-              <a:latin typeface="+mj-lt"/>
-            </a:endParaRPr>
-          </a:p>
-          <a:p>
-            <a:pPr marL="228600" indent="-228600">
-              <a:lnSpc>
-                <a:spcPct val="100000"/>
-              </a:lnSpc>
-              <a:buFont typeface="Arial" panose="020B0604020202020204" pitchFamily="34" charset="0"/>
-              <a:buAutoNum type="arabicPeriod"/>
-            </a:pPr>
-            <a:r>
-              <a:rPr lang="en-US" sz="800" b="0" i="0" dirty="0">
-                <a:solidFill>
-                  <a:srgbClr val="000000"/>
-                </a:solidFill>
-                <a:effectLst/>
-                <a:latin typeface="+mj-lt"/>
-              </a:rPr>
-              <a:t>&lt;source&gt;</a:t>
-            </a:r>
-            <a:endParaRPr lang="en-US" sz="800" dirty="0">
-              <a:solidFill>
-                <a:srgbClr val="000000"/>
-              </a:solidFill>
-              <a:latin typeface="+mj-lt"/>
-            </a:endParaRPr>
-          </a:p>
-          <a:p>
-            <a:pPr marL="228600" indent="-228600">
-              <a:lnSpc>
-                <a:spcPct val="100000"/>
-              </a:lnSpc>
-              <a:buFont typeface="Arial" panose="020B0604020202020204" pitchFamily="34" charset="0"/>
-              <a:buAutoNum type="arabicPeriod"/>
-            </a:pPr>
-            <a:r>
-              <a:rPr lang="en-US" sz="800" b="0" i="0" dirty="0">
-                <a:solidFill>
-                  <a:srgbClr val="000000"/>
-                </a:solidFill>
-                <a:effectLst/>
-                <a:latin typeface="+mj-lt"/>
-              </a:rPr>
-              <a:t>&lt;source&gt;</a:t>
-            </a:r>
-            <a:endParaRPr lang="en-US" sz="800" dirty="0">
-              <a:solidFill>
-                <a:srgbClr val="000000"/>
-              </a:solidFill>
-              <a:latin typeface="+mj-lt"/>
-            </a:endParaRPr>
-          </a:p>
-          <a:p>
-            <a:pPr marL="228600" indent="-228600">
-              <a:lnSpc>
-                <a:spcPct val="100000"/>
-              </a:lnSpc>
-              <a:buFont typeface="Arial" panose="020B0604020202020204" pitchFamily="34" charset="0"/>
-              <a:buAutoNum type="arabicPeriod"/>
-            </a:pPr>
-            <a:r>
-              <a:rPr lang="en-US" sz="800" b="0" i="0" dirty="0">
-                <a:solidFill>
-                  <a:srgbClr val="000000"/>
-                </a:solidFill>
-                <a:effectLst/>
-                <a:latin typeface="+mj-lt"/>
-              </a:rPr>
-              <a:t>&lt;source&gt;</a:t>
-            </a:r>
-            <a:endParaRPr lang="en-US" sz="800" dirty="0">
-              <a:solidFill>
-                <a:srgbClr val="000000"/>
-              </a:solidFill>
-              <a:latin typeface="+mj-lt"/>
-            </a:endParaRPr>
-          </a:p>
-          <a:p>
-            <a:pPr marL="228600" indent="-228600">
-              <a:lnSpc>
-                <a:spcPct val="100000"/>
-              </a:lnSpc>
-              <a:buFont typeface="Arial" panose="020B0604020202020204" pitchFamily="34" charset="0"/>
-              <a:buAutoNum type="arabicPeriod"/>
-            </a:pPr>
-            <a:r>
-              <a:rPr lang="en-US" sz="800" b="0" i="0" dirty="0">
-                <a:solidFill>
-                  <a:srgbClr val="000000"/>
-                </a:solidFill>
-                <a:effectLst/>
-                <a:latin typeface="+mj-lt"/>
-              </a:rPr>
-              <a:t>&lt;source&gt;</a:t>
-            </a:r>
-            <a:endParaRPr lang="en-US" sz="800" dirty="0">
-              <a:solidFill>
-                <a:srgbClr val="000000"/>
-              </a:solidFill>
-              <a:latin typeface="+mj-lt"/>
-            </a:endParaRPr>
-          </a:p>
-          <a:p>
-            <a:pPr marL="228600" indent="-228600">
-              <a:lnSpc>
-                <a:spcPct val="100000"/>
-              </a:lnSpc>
-              <a:buFont typeface="Arial" panose="020B0604020202020204" pitchFamily="34" charset="0"/>
-              <a:buAutoNum type="arabicPeriod"/>
-            </a:pPr>
-            <a:r>
-              <a:rPr lang="en-US" sz="800" b="0" i="0" dirty="0">
-                <a:solidFill>
-                  <a:srgbClr val="000000"/>
-                </a:solidFill>
-                <a:effectLst/>
-                <a:latin typeface="+mj-lt"/>
-              </a:rPr>
-              <a:t>&lt;source&gt;</a:t>
-            </a:r>
-            <a:endParaRPr lang="en-US" sz="800" dirty="0">
-              <a:solidFill>
-                <a:srgbClr val="000000"/>
-              </a:solidFill>
-              <a:latin typeface="+mj-lt"/>
-            </a:endParaRPr>
-          </a:p>
-          <a:p>
-            <a:pPr marL="228600" indent="-228600">
-              <a:lnSpc>
-                <a:spcPct val="100000"/>
-              </a:lnSpc>
-              <a:buFont typeface="Arial" panose="020B0604020202020204" pitchFamily="34" charset="0"/>
-              <a:buAutoNum type="arabicPeriod"/>
-            </a:pPr>
-            <a:r>
-              <a:rPr lang="en-US" sz="800" b="0" i="0" dirty="0">
-                <a:solidFill>
-                  <a:srgbClr val="000000"/>
-                </a:solidFill>
-                <a:effectLst/>
-                <a:latin typeface="+mj-lt"/>
-              </a:rPr>
-              <a:t>&lt;source&gt;</a:t>
-            </a:r>
-            <a:endParaRPr lang="en-US" sz="800" dirty="0">
-              <a:solidFill>
-                <a:srgbClr val="000000"/>
-              </a:solidFill>
-              <a:latin typeface="+mj-lt"/>
-            </a:endParaRPr>
-          </a:p>
-          <a:p>
-            <a:pPr marL="228600" indent="-228600">
-              <a:lnSpc>
-                <a:spcPct val="100000"/>
-              </a:lnSpc>
-              <a:buFont typeface="Arial" panose="020B0604020202020204" pitchFamily="34" charset="0"/>
-              <a:buAutoNum type="arabicPeriod"/>
-            </a:pPr>
-            <a:r>
-              <a:rPr lang="en-US" sz="800" b="0" i="0" dirty="0">
-                <a:solidFill>
-                  <a:srgbClr val="000000"/>
-                </a:solidFill>
-                <a:effectLst/>
-                <a:latin typeface="+mj-lt"/>
-              </a:rPr>
-              <a:t>&lt;source&gt;</a:t>
-            </a:r>
-            <a:endParaRPr lang="en-US" sz="800" dirty="0">
-              <a:solidFill>
-                <a:srgbClr val="000000"/>
-              </a:solidFill>
-              <a:latin typeface="+mj-lt"/>
-            </a:endParaRPr>
-          </a:p>
-          <a:p>
-            <a:pPr marL="228600" indent="-228600">
-              <a:lnSpc>
-                <a:spcPct val="100000"/>
-              </a:lnSpc>
-              <a:buFont typeface="Arial" panose="020B0604020202020204" pitchFamily="34" charset="0"/>
-              <a:buAutoNum type="arabicPeriod"/>
-            </a:pPr>
-            <a:r>
-              <a:rPr lang="en-US" sz="800" b="0" i="0" dirty="0">
-                <a:solidFill>
-                  <a:srgbClr val="000000"/>
-                </a:solidFill>
-                <a:effectLst/>
-                <a:latin typeface="+mj-lt"/>
-              </a:rPr>
-              <a:t>&lt;source&gt;</a:t>
-            </a:r>
-            <a:endParaRPr lang="en-US" sz="800" dirty="0">
-              <a:solidFill>
-                <a:srgbClr val="000000"/>
-              </a:solidFill>
-              <a:latin typeface="+mj-lt"/>
-            </a:endParaRPr>
-          </a:p>
-          <a:p>
-            <a:pPr marL="228600" indent="-228600">
-              <a:lnSpc>
-                <a:spcPct val="100000"/>
-              </a:lnSpc>
-              <a:buFont typeface="Arial" panose="020B0604020202020204" pitchFamily="34" charset="0"/>
-              <a:buAutoNum type="arabicPeriod"/>
-            </a:pPr>
-            <a:r>
-              <a:rPr lang="en-US" sz="800" b="0" i="0" dirty="0">
-                <a:solidFill>
-                  <a:srgbClr val="000000"/>
-                </a:solidFill>
-                <a:effectLst/>
-                <a:latin typeface="+mj-lt"/>
-              </a:rPr>
-              <a:t>&lt;source&gt;</a:t>
-            </a:r>
-            <a:endParaRPr lang="en-US" sz="800" dirty="0">
-              <a:solidFill>
-                <a:srgbClr val="000000"/>
-              </a:solidFill>
-              <a:latin typeface="+mj-lt"/>
-            </a:endParaRPr>
-          </a:p>
-          <a:p>
-            <a:pPr marL="228600" indent="-228600">
-              <a:lnSpc>
-                <a:spcPct val="100000"/>
-              </a:lnSpc>
-              <a:buFont typeface="Arial" panose="020B0604020202020204" pitchFamily="34" charset="0"/>
-              <a:buAutoNum type="arabicPeriod"/>
-            </a:pPr>
-            <a:r>
-              <a:rPr lang="en-US" sz="800" b="0" i="0" dirty="0">
-                <a:solidFill>
-                  <a:srgbClr val="000000"/>
-                </a:solidFill>
-                <a:effectLst/>
-                <a:latin typeface="+mj-lt"/>
-              </a:rPr>
-              <a:t>&lt;source&gt;</a:t>
-            </a:r>
-            <a:endParaRPr lang="en-US" sz="800" dirty="0">
-              <a:solidFill>
-                <a:srgbClr val="000000"/>
-              </a:solidFill>
-              <a:latin typeface="+mj-lt"/>
-            </a:endParaRPr>
-          </a:p>
-          <a:p>
-            <a:pPr marL="228600" indent="-228600">
-              <a:lnSpc>
-                <a:spcPct val="100000"/>
-              </a:lnSpc>
-              <a:buAutoNum type="arabicPeriod"/>
-            </a:pPr>
-            <a:r>
-              <a:rPr lang="en-US" sz="800" b="0" i="0" dirty="0">
-                <a:solidFill>
-                  <a:srgbClr val="000000"/>
-                </a:solidFill>
-                <a:effectLst/>
-                <a:latin typeface="+mj-lt"/>
-              </a:rPr>
-              <a:t>&lt;source&gt;</a:t>
-            </a:r>
-          </a:p>
-          <a:p>
-            <a:pPr marL="228600" indent="-228600">
-              <a:lnSpc>
-                <a:spcPct val="100000"/>
-              </a:lnSpc>
-              <a:buFont typeface="Arial" panose="020B0604020202020204" pitchFamily="34" charset="0"/>
-              <a:buAutoNum type="arabicPeriod"/>
-            </a:pPr>
-            <a:r>
-              <a:rPr lang="en-US" sz="800" b="0" i="0" dirty="0">
-                <a:solidFill>
-                  <a:srgbClr val="000000"/>
-                </a:solidFill>
-                <a:effectLst/>
-                <a:latin typeface="+mj-lt"/>
-              </a:rPr>
-              <a:t>&lt;source&gt;</a:t>
-            </a:r>
-            <a:endParaRPr lang="en-US" sz="800" dirty="0">
-              <a:solidFill>
-                <a:srgbClr val="000000"/>
-              </a:solidFill>
-              <a:latin typeface="+mj-lt"/>
-            </a:endParaRPr>
-          </a:p>
-          <a:p>
-            <a:pPr marL="228600" indent="-228600">
-              <a:lnSpc>
-                <a:spcPct val="100000"/>
-              </a:lnSpc>
-              <a:buFont typeface="Arial" panose="020B0604020202020204" pitchFamily="34" charset="0"/>
-              <a:buAutoNum type="arabicPeriod"/>
-            </a:pPr>
-            <a:r>
-              <a:rPr lang="en-US" sz="800" b="0" i="0" dirty="0">
-                <a:solidFill>
-                  <a:srgbClr val="000000"/>
-                </a:solidFill>
-                <a:effectLst/>
-                <a:latin typeface="+mj-lt"/>
-              </a:rPr>
-              <a:t>&lt;source&gt;</a:t>
-            </a:r>
-            <a:endParaRPr lang="en-US" sz="800" dirty="0">
-              <a:solidFill>
-                <a:srgbClr val="000000"/>
-              </a:solidFill>
-              <a:latin typeface="+mj-lt"/>
-            </a:endParaRPr>
-          </a:p>
-          <a:p>
-            <a:pPr marL="228600" indent="-228600">
-              <a:lnSpc>
-                <a:spcPct val="100000"/>
-              </a:lnSpc>
-              <a:buFont typeface="Arial" panose="020B0604020202020204" pitchFamily="34" charset="0"/>
-              <a:buAutoNum type="arabicPeriod"/>
-            </a:pPr>
-            <a:r>
-              <a:rPr lang="en-US" sz="800" b="0" i="0" dirty="0">
-                <a:solidFill>
-                  <a:srgbClr val="000000"/>
-                </a:solidFill>
-                <a:effectLst/>
-                <a:latin typeface="+mj-lt"/>
-              </a:rPr>
-              <a:t>&lt;source&gt;</a:t>
-            </a:r>
-            <a:endParaRPr lang="en-US" sz="800" dirty="0">
-              <a:solidFill>
-                <a:srgbClr val="000000"/>
-              </a:solidFill>
-              <a:latin typeface="+mj-lt"/>
-            </a:endParaRPr>
-          </a:p>
-          <a:p>
-            <a:pPr marL="228600" indent="-228600">
-              <a:lnSpc>
-                <a:spcPct val="100000"/>
-              </a:lnSpc>
-              <a:buFont typeface="Arial" panose="020B0604020202020204" pitchFamily="34" charset="0"/>
-              <a:buAutoNum type="arabicPeriod"/>
-            </a:pPr>
-            <a:r>
-              <a:rPr lang="en-US" sz="800" b="0" i="0" dirty="0">
-                <a:solidFill>
-                  <a:srgbClr val="000000"/>
-                </a:solidFill>
-                <a:effectLst/>
-                <a:latin typeface="+mj-lt"/>
-              </a:rPr>
-              <a:t>&lt;source&gt;</a:t>
-            </a:r>
-            <a:endParaRPr lang="en-US" sz="800" dirty="0">
-              <a:solidFill>
-                <a:srgbClr val="000000"/>
-              </a:solidFill>
-              <a:latin typeface="+mj-lt"/>
-            </a:endParaRPr>
-          </a:p>
-          <a:p>
-            <a:pPr marL="228600" indent="-228600">
-              <a:lnSpc>
-                <a:spcPct val="100000"/>
-              </a:lnSpc>
-              <a:buFont typeface="Arial" panose="020B0604020202020204" pitchFamily="34" charset="0"/>
-              <a:buAutoNum type="arabicPeriod"/>
-            </a:pPr>
-            <a:r>
-              <a:rPr lang="en-US" sz="800" b="0" i="0" dirty="0">
-                <a:solidFill>
-                  <a:srgbClr val="000000"/>
-                </a:solidFill>
-                <a:effectLst/>
-                <a:latin typeface="+mj-lt"/>
-              </a:rPr>
-              <a:t>&lt;source&gt;</a:t>
-            </a:r>
-            <a:endParaRPr lang="en-US" sz="800" dirty="0">
-              <a:solidFill>
-                <a:srgbClr val="000000"/>
-              </a:solidFill>
-              <a:latin typeface="+mj-lt"/>
-            </a:endParaRPr>
-          </a:p>
-          <a:p>
-            <a:pPr marL="228600" indent="-228600">
-              <a:lnSpc>
-                <a:spcPct val="100000"/>
-              </a:lnSpc>
-              <a:buFont typeface="Arial" panose="020B0604020202020204" pitchFamily="34" charset="0"/>
-              <a:buAutoNum type="arabicPeriod"/>
-            </a:pPr>
-            <a:r>
-              <a:rPr lang="en-US" sz="800" b="0" i="0" dirty="0">
-                <a:solidFill>
-                  <a:srgbClr val="000000"/>
-                </a:solidFill>
-                <a:effectLst/>
-                <a:latin typeface="+mj-lt"/>
-              </a:rPr>
-              <a:t>&lt;source&gt;</a:t>
-            </a:r>
-            <a:endParaRPr lang="en-US" sz="800" dirty="0">
-              <a:solidFill>
-                <a:srgbClr val="000000"/>
-              </a:solidFill>
-              <a:latin typeface="+mj-lt"/>
-            </a:endParaRPr>
-          </a:p>
-          <a:p>
-            <a:pPr marL="228600" indent="-228600">
-              <a:lnSpc>
-                <a:spcPct val="100000"/>
-              </a:lnSpc>
-              <a:buFont typeface="Arial" panose="020B0604020202020204" pitchFamily="34" charset="0"/>
-              <a:buAutoNum type="arabicPeriod"/>
-            </a:pPr>
-            <a:r>
-              <a:rPr lang="en-US" sz="800" b="0" i="0" dirty="0">
-                <a:solidFill>
-                  <a:srgbClr val="000000"/>
-                </a:solidFill>
-                <a:effectLst/>
-                <a:latin typeface="+mj-lt"/>
-              </a:rPr>
-              <a:t>&lt;source&gt;</a:t>
-            </a:r>
-            <a:endParaRPr lang="en-US" sz="800" dirty="0">
-              <a:solidFill>
-                <a:srgbClr val="000000"/>
-              </a:solidFill>
-              <a:latin typeface="+mj-lt"/>
-            </a:endParaRPr>
-          </a:p>
-          <a:p>
-            <a:pPr marL="228600" indent="-228600">
-              <a:lnSpc>
-                <a:spcPct val="100000"/>
-              </a:lnSpc>
-              <a:buFont typeface="Arial" panose="020B0604020202020204" pitchFamily="34" charset="0"/>
-              <a:buAutoNum type="arabicPeriod"/>
-            </a:pPr>
-            <a:r>
-              <a:rPr lang="en-US" sz="800" b="0" i="0" dirty="0">
-                <a:solidFill>
-                  <a:srgbClr val="000000"/>
-                </a:solidFill>
-                <a:effectLst/>
-                <a:latin typeface="+mj-lt"/>
-              </a:rPr>
-              <a:t>&lt;source&gt;</a:t>
-            </a:r>
-            <a:endParaRPr lang="en-US" sz="800" dirty="0">
-              <a:solidFill>
-                <a:srgbClr val="000000"/>
-              </a:solidFill>
-              <a:latin typeface="+mj-lt"/>
-            </a:endParaRPr>
-          </a:p>
-          <a:p>
-            <a:pPr marL="228600" indent="-228600">
-              <a:lnSpc>
-                <a:spcPct val="100000"/>
-              </a:lnSpc>
-              <a:buFont typeface="Arial" panose="020B0604020202020204" pitchFamily="34" charset="0"/>
-              <a:buAutoNum type="arabicPeriod"/>
-            </a:pPr>
-            <a:r>
-              <a:rPr lang="en-US" sz="800" b="0" i="0" dirty="0">
-                <a:solidFill>
-                  <a:srgbClr val="000000"/>
-                </a:solidFill>
-                <a:effectLst/>
-                <a:latin typeface="+mj-lt"/>
-              </a:rPr>
-              <a:t>&lt;source&gt;</a:t>
-            </a:r>
-            <a:endParaRPr lang="en-US" sz="800" dirty="0">
-              <a:solidFill>
-                <a:srgbClr val="000000"/>
-              </a:solidFill>
-              <a:latin typeface="+mj-lt"/>
-            </a:endParaRPr>
-          </a:p>
-          <a:p>
-            <a:pPr marL="228600" indent="-228600">
-              <a:lnSpc>
-                <a:spcPct val="100000"/>
-              </a:lnSpc>
-              <a:buAutoNum type="arabicPeriod"/>
-            </a:pPr>
-            <a:endParaRPr lang="en-US" sz="800" dirty="0">
-              <a:solidFill>
-                <a:srgbClr val="000000"/>
-              </a:solidFill>
-              <a:latin typeface="+mj-lt"/>
-            </a:endParaRPr>
           </a:p>
         </p:txBody>
       </p:sp>
     </p:spTree>
+    <p:extLst>
+      <p:ext uri="{BB962C8B-B14F-4D97-AF65-F5344CB8AC3E}">
+        <p14:creationId xmlns:p14="http://schemas.microsoft.com/office/powerpoint/2010/main" val="3979554754"/>
+      </p:ext>
+    </p:extLst>
   </p:cSld>
   <p:clrMapOvr>
     <a:masterClrMapping/>
@@ -4609,7 +4052,7 @@
 </p:sld>
 </file>
 
-<file path=ppt/slides/slide5.xml><?xml version="1.0" encoding="utf-8"?>
+<file path=ppt/slides/slide3.xml><?xml version="1.0" encoding="utf-8"?>
 <p:sld xmlns:a="http://schemas.openxmlformats.org/drawingml/2006/main" xmlns:p="http://schemas.openxmlformats.org/presentationml/2006/main" xmlns:r="http://schemas.openxmlformats.org/officeDocument/2006/relationships">
   <p:cSld>
     <p:spTree>
@@ -4629,13 +4072,308 @@
             <p:ph type="title"/>
           </p:nvPr>
         </p:nvSpPr>
-        <p:spPr/>
+        <p:spPr>
+          <a:xfrm>
+            <a:off x="138545" y="15000"/>
+            <a:ext cx="6557819" cy="400000"/>
+          </a:xfrm>
+        </p:spPr>
         <p:txBody>
           <a:bodyPr/>
           <a:lstStyle/>
           <a:p>
-            <a:r>
-              <a:t>&lt;banner&gt;</a:t>
+            <a:pPr>
+              <a:defRPr b="1" i="1">
+                <a:solidFill>
+                  <a:schemeClr val="bg1"/>
+                </a:solidFill>
+              </a:defRPr>
+            </a:pPr>
+            <a:r>
+              <a:t>États-Unis</a:t>
+            </a:r>
+          </a:p>
+        </p:txBody>
+      </p:sp>
+      <p:sp>
+        <p:nvSpPr>
+          <p:cNvPr id="3" name="TextBox 2"/>
+          <p:cNvSpPr txBox="1"/>
+          <p:nvPr/>
+        </p:nvSpPr>
+        <p:spPr>
+          <a:xfrm>
+            <a:off x="138545" y="430000"/>
+            <a:ext cx="6858000" cy="274320"/>
+          </a:xfrm>
+          <a:prstGeom prst="rect">
+            <a:avLst/>
+          </a:prstGeom>
+          <a:noFill/>
+        </p:spPr>
+        <p:txBody>
+          <a:bodyPr wrap="none">
+            <a:spAutoFit/>
+          </a:bodyPr>
+          <a:lstStyle/>
+          <a:p>
+            <a:pPr>
+              <a:defRPr sz="1100" b="1">
+                <a:solidFill>
+                  <a:schemeClr val="accent6"/>
+                </a:solidFill>
+              </a:defRPr>
+            </a:pPr>
+            <a:r>
+              <a:t>Technologies Web</a:t>
+            </a:r>
+          </a:p>
+        </p:txBody>
+      </p:sp>
+      <p:sp>
+        <p:nvSpPr>
+          <p:cNvPr id="4" name="TextBox 3"/>
+          <p:cNvSpPr txBox="1"/>
+          <p:nvPr/>
+        </p:nvSpPr>
+        <p:spPr>
+          <a:xfrm>
+            <a:off x="0" y="704320"/>
+            <a:ext cx="6858000" cy="1710056"/>
+          </a:xfrm>
+          <a:prstGeom prst="rect">
+            <a:avLst/>
+          </a:prstGeom>
+          <a:noFill/>
+        </p:spPr>
+        <p:txBody>
+          <a:bodyPr wrap="none">
+            <a:spAutoFit/>
+          </a:bodyPr>
+          <a:lstStyle/>
+          <a:p>
+            <a:pPr algn="ctr">
+              <a:defRPr sz="1000"/>
+            </a:pPr>
+            <a:r>
+              <a:t>Cloudflare est une entreprise américaine qui offre des services de sécurité pour les sites web³.</a:t>
+            </a:r>
+            <a:br/>
+            <a:r>
+              <a:t>Les entreprises voulant un site web fiable et non-vulnérable, mais ne voulant pas s’occuper de</a:t>
+            </a:r>
+            <a:br/>
+            <a:r>
+              <a:t>toute la maintenance, utilisent Cloudflare. Ce service se place entre les utilisateurs et le site</a:t>
+            </a:r>
+            <a:br/>
+            <a:r>
+              <a:t>web et peut répartir les requêtes, s’assurant de ne pas surcharger le site en question. Si un</a:t>
+            </a:r>
+            <a:br/>
+            <a:r>
+              <a:t>utilisateur est au Québec et que le site web est hébergé à Londres, l’utilisateur va en premier</a:t>
+            </a:r>
+            <a:br/>
+            <a:r>
+              <a:t>devoir passer par le serveur de Cloudflare avant d’accéder au site web. Cela offre une protection</a:t>
+            </a:r>
+            <a:br/>
+            <a:r>
+              <a:t>au site, mais ajoute aussi une étape intermédiaire qui augmente la distance que doit parcourir</a:t>
+            </a:r>
+            <a:br/>
+            <a:r>
+              <a:t>les données et peut faire doubler le temps de chargement. Pour remédier à cela, Cloudflare a un</a:t>
+            </a:r>
+            <a:br/>
+            <a:r>
+              <a:t>réseau de serveurs périphériques à plusieurs endroits dans le monde, ce qui veut dire qu’il y a</a:t>
+            </a:r>
+            <a:br/>
+            <a:r>
+              <a:t>toujours un serveur à proximité de l’utilisateur. De cette manière, la latence est minimisée.</a:t>
+            </a:r>
+          </a:p>
+        </p:txBody>
+      </p:sp>
+      <p:sp>
+        <p:nvSpPr>
+          <p:cNvPr id="5" name="TextBox 4"/>
+          <p:cNvSpPr txBox="1"/>
+          <p:nvPr/>
+        </p:nvSpPr>
+        <p:spPr>
+          <a:xfrm>
+            <a:off x="0" y="2414376"/>
+            <a:ext cx="6858000" cy="1378732"/>
+          </a:xfrm>
+          <a:prstGeom prst="rect">
+            <a:avLst/>
+          </a:prstGeom>
+          <a:noFill/>
+        </p:spPr>
+        <p:txBody>
+          <a:bodyPr wrap="none">
+            <a:spAutoFit/>
+          </a:bodyPr>
+          <a:lstStyle/>
+          <a:p>
+            <a:pPr algn="ctr">
+              <a:defRPr sz="1000"/>
+            </a:pPr>
+            <a:r>
+              <a:t>L’informatique de périphérie est aussi utilisée par des solutions d’hébergement de sites web.</a:t>
+            </a:r>
+            <a:br/>
+            <a:r>
+              <a:t>Vercel est un hébergeur de sites web qui offre la possibilité de déployer son site sur plusieurs</a:t>
+            </a:r>
+            <a:br/>
+            <a:r>
+              <a:t>lieux géographiques en même temps. En effet, grâce à son “Edge Network”⁴, Vercel déploie les</a:t>
+            </a:r>
+            <a:br/>
+            <a:r>
+              <a:t>sites web de ses clients sur différents serveurs dans le monde. L’avantage est que si un</a:t>
+            </a:r>
+            <a:br/>
+            <a:r>
+              <a:t>utilisateur veut se connecter au site, il va se connecter au serveur le plus rapproché.</a:t>
+            </a:r>
+            <a:br/>
+            <a:r>
+              <a:t>Traditionnellement, un site web hébergé à un seul endroit ne pouvait pas offrir le même temps de</a:t>
+            </a:r>
+            <a:br/>
+            <a:r>
+              <a:t>chargement à tout le monde dépendamment de la position géographique des utilisateurs, mais avec</a:t>
+            </a:r>
+            <a:br/>
+            <a:r>
+              <a:t>l’informatique de périphérie, Vercel peut garantir un court temps de chargement peu importe</a:t>
+            </a:r>
+            <a:br/>
+            <a:r>
+              <a:t>l’emplacement.</a:t>
+            </a:r>
+          </a:p>
+        </p:txBody>
+      </p:sp>
+      <p:sp>
+        <p:nvSpPr>
+          <p:cNvPr id="6" name="TextBox 5"/>
+          <p:cNvSpPr txBox="1"/>
+          <p:nvPr/>
+        </p:nvSpPr>
+        <p:spPr>
+          <a:xfrm>
+            <a:off x="138545" y="3793108"/>
+            <a:ext cx="6858000" cy="274320"/>
+          </a:xfrm>
+          <a:prstGeom prst="rect">
+            <a:avLst/>
+          </a:prstGeom>
+          <a:noFill/>
+        </p:spPr>
+        <p:txBody>
+          <a:bodyPr wrap="none">
+            <a:spAutoFit/>
+          </a:bodyPr>
+          <a:lstStyle/>
+          <a:p>
+            <a:pPr>
+              <a:defRPr sz="1100" b="1">
+                <a:solidFill>
+                  <a:schemeClr val="accent6"/>
+                </a:solidFill>
+              </a:defRPr>
+            </a:pPr>
+            <a:r>
+              <a:t>Industriel</a:t>
+            </a:r>
+          </a:p>
+        </p:txBody>
+      </p:sp>
+      <p:sp>
+        <p:nvSpPr>
+          <p:cNvPr id="7" name="TextBox 6"/>
+          <p:cNvSpPr txBox="1"/>
+          <p:nvPr/>
+        </p:nvSpPr>
+        <p:spPr>
+          <a:xfrm>
+            <a:off x="0" y="4067428"/>
+            <a:ext cx="6858000" cy="2217081"/>
+          </a:xfrm>
+          <a:prstGeom prst="rect">
+            <a:avLst/>
+          </a:prstGeom>
+          <a:noFill/>
+        </p:spPr>
+        <p:txBody>
+          <a:bodyPr wrap="none">
+            <a:spAutoFit/>
+          </a:bodyPr>
+          <a:lstStyle/>
+          <a:p>
+            <a:pPr algn="ctr">
+              <a:defRPr sz="1000"/>
+            </a:pPr>
+            <a:r>
+              <a:t>Chevron, une compagnie dans l’industrie du pétrole, utilise l’informatique de périphérie pour</a:t>
+            </a:r>
+            <a:br/>
+            <a:r>
+              <a:t>plusieurs tâches. En effet, dû à ses opérations dans plusieurs endroits dans le monde, l’Internet</a:t>
+            </a:r>
+            <a:br/>
+            <a:r>
+              <a:t>n’est pas toujours facile d’accès. Par exemple, la compagnie possède des installations au large</a:t>
+            </a:r>
+            <a:br/>
+            <a:r>
+              <a:t>de la mer, les rendant très éloignées. Il est donc très approprié que les installations éloignées</a:t>
+            </a:r>
+            <a:br/>
+            <a:r>
+              <a:t>aient leurs propres serveurs sur place. Effectivement, leurs plateformes pétrolières collectent</a:t>
+            </a:r>
+            <a:br/>
+            <a:r>
+              <a:t>beaucoup de données provenant de capteurs qui surveillent la qualité de la machinerie⁵. Certains</a:t>
+            </a:r>
+            <a:br/>
+            <a:r>
+              <a:t>capteurs surveillent du matériel critique afin notamment d’assurer que la pression dans les</a:t>
+            </a:r>
+            <a:br/>
+            <a:r>
+              <a:t>tuyaux n’est pas trop élevée. Si ces capteurs détectent quelque chose d’anormal, il faut qu’ils</a:t>
+            </a:r>
+            <a:br/>
+            <a:r>
+              <a:t>agissent rapidement. Avoir des serveurs sur place leur permet de réduire la latence au maximum.</a:t>
+            </a:r>
+            <a:br/>
+            <a:r>
+              <a:t>En plus, ils sauvent beaucoup de bande passante, donc aussi de l’argent. Comme la compagnie opère</a:t>
+            </a:r>
+            <a:br/>
+            <a:r>
+              <a:t>dans différents pays, cela facilite aussi la conformité avec les lois sur la résidence des</a:t>
+            </a:r>
+            <a:br/>
+            <a:r>
+              <a:t>données de chaque pays⁶. Les données peuvent être traitées sur place de manière conforme aux lois</a:t>
+            </a:r>
+            <a:br/>
+            <a:r>
+              <a:t>du pays dans lequel les données sont collectées, avant d’être envoyées aux serveurs du siège</a:t>
+            </a:r>
+            <a:br/>
+            <a:r>
+              <a:t>social de Chevron.</a:t>
             </a:r>
           </a:p>
         </p:txBody>
@@ -4652,7 +4390,7 @@
         </p:nvSpPr>
         <p:spPr>
           <a:xfrm>
-            <a:off x="138545" y="486838"/>
+            <a:off x="138545" y="6299509"/>
             <a:ext cx="6557819" cy="400000"/>
           </a:xfrm>
         </p:spPr>
@@ -4668,7 +4406,393 @@
               </a:defRPr>
             </a:pPr>
             <a:r>
-              <a:t>Sources</a:t>
+              <a:t>France</a:t>
+            </a:r>
+          </a:p>
+        </p:txBody>
+      </p:sp>
+      <p:sp>
+        <p:nvSpPr>
+          <p:cNvPr id="8" name="TextBox 7"/>
+          <p:cNvSpPr txBox="1"/>
+          <p:nvPr/>
+        </p:nvSpPr>
+        <p:spPr>
+          <a:xfrm>
+            <a:off x="0" y="6714509"/>
+            <a:ext cx="6858000" cy="1351958"/>
+          </a:xfrm>
+          <a:prstGeom prst="rect">
+            <a:avLst/>
+          </a:prstGeom>
+          <a:noFill/>
+        </p:spPr>
+        <p:txBody>
+          <a:bodyPr wrap="none">
+            <a:spAutoFit/>
+          </a:bodyPr>
+          <a:lstStyle/>
+          <a:p>
+            <a:pPr algn="ctr">
+              <a:defRPr sz="1000"/>
+            </a:pPr>
+            <a:r>
+              <a:t>Menta est une compagnie qui se spécialise dans les puces reprogrammables. C’est-à-dire des</a:t>
+            </a:r>
+            <a:br/>
+            <a:r>
+              <a:t>microprocesseurs avec une circuiterie modifiable même après la fabrication. La compagnie croit</a:t>
+            </a:r>
+            <a:br/>
+            <a:r>
+              <a:t>que l’informatique de périphérie nécessitera des machines avec microprocesseurs personnalisés⁷.</a:t>
+            </a:r>
+            <a:br/>
+            <a:r>
+              <a:t>En effet, les serveurs qui analysent les données à proximité de leur source, ont souvent une</a:t>
+            </a:r>
+            <a:br/>
+            <a:r>
+              <a:t>tâche très spécifique et traitent les données de manière différente en fonction de ce que veut la</a:t>
+            </a:r>
+            <a:br/>
+            <a:r>
+              <a:t>compagnie. Comme les microprocesseurs traditionnels tout usage ne sont pas nécessairement</a:t>
+            </a:r>
+            <a:br/>
+            <a:r>
+              <a:t>optimisés pour cette tâche, Menta offre la possibilité de programmer une puce pour qu’elle soit</a:t>
+            </a:r>
+            <a:br/>
+            <a:r>
+              <a:t>le plus adaptée pour la tâche qu’elle exécute et que le processus soit plus efficace.</a:t>
+            </a:r>
+          </a:p>
+        </p:txBody>
+      </p:sp>
+      <p:sp>
+        <p:nvSpPr>
+          <p:cNvPr id="2" name="Title 1"/>
+          <p:cNvSpPr>
+            <a:spLocks noGrp="1"/>
+          </p:cNvSpPr>
+          <p:nvPr>
+            <p:ph type="title"/>
+          </p:nvPr>
+        </p:nvSpPr>
+        <p:spPr>
+          <a:xfrm>
+            <a:off x="138545" y="8081467"/>
+            <a:ext cx="6557819" cy="400000"/>
+          </a:xfrm>
+        </p:spPr>
+        <p:txBody>
+          <a:bodyPr/>
+          <a:lstStyle/>
+          <a:p>
+            <a:pPr>
+              <a:defRPr b="1" i="1">
+                <a:solidFill>
+                  <a:schemeClr val="bg1"/>
+                </a:solidFill>
+              </a:defRPr>
+            </a:pPr>
+            <a:r>
+              <a:t>Royaume-Uni</a:t>
+            </a:r>
+          </a:p>
+        </p:txBody>
+      </p:sp>
+      <p:sp>
+        <p:nvSpPr>
+          <p:cNvPr id="9" name="TextBox 8"/>
+          <p:cNvSpPr txBox="1"/>
+          <p:nvPr/>
+        </p:nvSpPr>
+        <p:spPr>
+          <a:xfrm>
+            <a:off x="138545" y="8496467"/>
+            <a:ext cx="6858000" cy="274320"/>
+          </a:xfrm>
+          <a:prstGeom prst="rect">
+            <a:avLst/>
+          </a:prstGeom>
+          <a:noFill/>
+        </p:spPr>
+        <p:txBody>
+          <a:bodyPr wrap="none">
+            <a:spAutoFit/>
+          </a:bodyPr>
+          <a:lstStyle/>
+          <a:p>
+            <a:pPr>
+              <a:defRPr sz="1100" b="1">
+                <a:solidFill>
+                  <a:schemeClr val="accent6"/>
+                </a:solidFill>
+              </a:defRPr>
+            </a:pPr>
+            <a:r>
+              <a:t>Infonuagique</a:t>
+            </a:r>
+          </a:p>
+        </p:txBody>
+      </p:sp>
+    </p:spTree>
+  </p:cSld>
+  <p:clrMapOvr>
+    <a:masterClrMapping/>
+  </p:clrMapOvr>
+</p:sld>
+</file>
+
+<file path=ppt/slides/slide4.xml><?xml version="1.0" encoding="utf-8"?>
+<p:sld xmlns:a="http://schemas.openxmlformats.org/drawingml/2006/main" xmlns:p="http://schemas.openxmlformats.org/presentationml/2006/main" xmlns:r="http://schemas.openxmlformats.org/officeDocument/2006/relationships">
+  <p:cSld>
+    <p:spTree>
+      <p:nvGrpSpPr>
+        <p:cNvPr id="1" name=""/>
+        <p:cNvGrpSpPr/>
+        <p:nvPr/>
+      </p:nvGrpSpPr>
+      <p:grpSpPr/>
+      <p:sp>
+        <p:nvSpPr>
+          <p:cNvPr id="3" name="TextBox 2"/>
+          <p:cNvSpPr txBox="1"/>
+          <p:nvPr/>
+        </p:nvSpPr>
+        <p:spPr>
+          <a:xfrm>
+            <a:off x="0" y="0"/>
+            <a:ext cx="6858000" cy="767958"/>
+          </a:xfrm>
+          <a:prstGeom prst="rect">
+            <a:avLst/>
+          </a:prstGeom>
+          <a:noFill/>
+        </p:spPr>
+        <p:txBody>
+          <a:bodyPr wrap="none">
+            <a:spAutoFit/>
+          </a:bodyPr>
+          <a:lstStyle/>
+          <a:p>
+            <a:pPr algn="ctr">
+              <a:defRPr sz="1000"/>
+            </a:pPr>
+            <a:r>
+              <a:t>Ori Industries est une compagnie qui se spécialise dans les services infonuagiques. La compagnie</a:t>
+            </a:r>
+            <a:br/>
+            <a:r>
+              <a:t>propose une solution pour déployer une application sur différent fournisseur infonuagique</a:t>
+            </a:r>
+            <a:br/>
+            <a:r>
+              <a:t>(Google, Amazon, Azure), en même temps⁸. Cela leur permet d’offrir un réseau périphérique encore</a:t>
+            </a:r>
+            <a:br/>
+            <a:r>
+              <a:t>plus vaste, car ils ne dépendent pas de la localisation des centres de données d’un fournisseur</a:t>
+            </a:r>
+            <a:br/>
+            <a:r>
+              <a:t>en particulier.</a:t>
+            </a:r>
+          </a:p>
+        </p:txBody>
+      </p:sp>
+      <p:sp>
+        <p:nvSpPr>
+          <p:cNvPr id="4" name="TextBox 3"/>
+          <p:cNvSpPr txBox="1"/>
+          <p:nvPr/>
+        </p:nvSpPr>
+        <p:spPr>
+          <a:xfrm>
+            <a:off x="138545" y="767958"/>
+            <a:ext cx="6858000" cy="274320"/>
+          </a:xfrm>
+          <a:prstGeom prst="rect">
+            <a:avLst/>
+          </a:prstGeom>
+          <a:noFill/>
+        </p:spPr>
+        <p:txBody>
+          <a:bodyPr wrap="none">
+            <a:spAutoFit/>
+          </a:bodyPr>
+          <a:lstStyle/>
+          <a:p>
+            <a:pPr>
+              <a:defRPr sz="1100" b="1">
+                <a:solidFill>
+                  <a:schemeClr val="accent6"/>
+                </a:solidFill>
+              </a:defRPr>
+            </a:pPr>
+            <a:r>
+              <a:t>Internet des objets</a:t>
+            </a:r>
+          </a:p>
+        </p:txBody>
+      </p:sp>
+      <p:sp>
+        <p:nvSpPr>
+          <p:cNvPr id="5" name="TextBox 4"/>
+          <p:cNvSpPr txBox="1"/>
+          <p:nvPr/>
+        </p:nvSpPr>
+        <p:spPr>
+          <a:xfrm>
+            <a:off x="0" y="1042278"/>
+            <a:ext cx="6858000" cy="1373712"/>
+          </a:xfrm>
+          <a:prstGeom prst="rect">
+            <a:avLst/>
+          </a:prstGeom>
+          <a:noFill/>
+        </p:spPr>
+        <p:txBody>
+          <a:bodyPr wrap="none">
+            <a:spAutoFit/>
+          </a:bodyPr>
+          <a:lstStyle/>
+          <a:p>
+            <a:pPr algn="ctr">
+              <a:defRPr sz="1000"/>
+            </a:pPr>
+            <a:r>
+              <a:t>Une autre compagnie britannique se spécialisant dans l’informatique de périphérie est Zededa.</a:t>
+            </a:r>
+            <a:br/>
+            <a:r>
+              <a:t>C'est une plateforme SaaS pour gérer un réseau de machines périphériques à grande échelle⁹. Par</a:t>
+            </a:r>
+            <a:br/>
+            <a:r>
+              <a:t>exemple, une compagnie qui possède plusieurs infrastructures et qui a un serveur dans chacune de</a:t>
+            </a:r>
+            <a:br/>
+            <a:r>
+              <a:t>celles-ci, peut facilement surveiller ses serveurs à partir de l’interface de Zededa. Le logiciel</a:t>
+            </a:r>
+            <a:br/>
+            <a:r>
+              <a:t>permet de facilement détecter s’il y a des problèmes avec une des infrastructures, de s’assurer</a:t>
+            </a:r>
+            <a:br/>
+            <a:r>
+              <a:t>que tous les points d’accès sont sécurisés, et même de pouvoir mettre à jour les logiciels</a:t>
+            </a:r>
+            <a:br/>
+            <a:r>
+              <a:t>exécutés sur les machines périphériques. Zededa évite ainsi de devoir aller physiquement</a:t>
+            </a:r>
+            <a:br/>
+            <a:r>
+              <a:t>maintenir les serveurs, qui peuvent parfois être localisés dans des endroits difficiles d’accès.</a:t>
+            </a:r>
+          </a:p>
+        </p:txBody>
+      </p:sp>
+      <p:sp>
+        <p:nvSpPr>
+          <p:cNvPr id="2" name="Title 1"/>
+          <p:cNvSpPr>
+            <a:spLocks noGrp="1"/>
+          </p:cNvSpPr>
+          <p:nvPr>
+            <p:ph type="title"/>
+          </p:nvPr>
+        </p:nvSpPr>
+        <p:spPr>
+          <a:xfrm>
+            <a:off x="138545" y="2430990"/>
+            <a:ext cx="6557819" cy="400000"/>
+          </a:xfrm>
+        </p:spPr>
+        <p:txBody>
+          <a:bodyPr/>
+          <a:lstStyle/>
+          <a:p>
+            <a:pPr>
+              <a:defRPr b="1" i="1">
+                <a:solidFill>
+                  <a:schemeClr val="bg1"/>
+                </a:solidFill>
+              </a:defRPr>
+            </a:pPr>
+            <a:r>
+              <a:t>Singapour</a:t>
+            </a:r>
+          </a:p>
+        </p:txBody>
+      </p:sp>
+      <p:sp>
+        <p:nvSpPr>
+          <p:cNvPr id="6" name="TextBox 5"/>
+          <p:cNvSpPr txBox="1"/>
+          <p:nvPr/>
+        </p:nvSpPr>
+        <p:spPr>
+          <a:xfrm>
+            <a:off x="0" y="2845990"/>
+            <a:ext cx="6858000" cy="1628061"/>
+          </a:xfrm>
+          <a:prstGeom prst="rect">
+            <a:avLst/>
+          </a:prstGeom>
+          <a:noFill/>
+        </p:spPr>
+        <p:txBody>
+          <a:bodyPr wrap="none">
+            <a:spAutoFit/>
+          </a:bodyPr>
+          <a:lstStyle/>
+          <a:p>
+            <a:pPr algn="ctr">
+              <a:defRPr sz="1000"/>
+            </a:pPr>
+            <a:r>
+              <a:t>ST Engineering, une compagnie de Singapour offrant des services dans le domaine de la sécurité</a:t>
+            </a:r>
+            <a:br/>
+            <a:r>
+              <a:t>pour les agences et les gouvernements, notamment des modèles d’intelligence artificielle pour de</a:t>
+            </a:r>
+            <a:br/>
+            <a:r>
+              <a:t>la reconnaissance faciale, de la détection de comportements anormales, et plus encore¹⁰. Leur</a:t>
+            </a:r>
+            <a:br/>
+            <a:r>
+              <a:t>service inclut la possibilité d’intégrer l’informatique de périphérie et de faire tourner leur</a:t>
+            </a:r>
+            <a:br/>
+            <a:r>
+              <a:t>logiciel d’intelligence artificielle sur des systèmes embarquées (appareil électronique</a:t>
+            </a:r>
+            <a:br/>
+            <a:r>
+              <a:t>spécialisé pour effectuer une tâche)¹¹. Cela permet par exemple de récupérer le flux d’une caméra</a:t>
+            </a:r>
+            <a:br/>
+            <a:r>
+              <a:t>de surveillance et de l’envoyé sur un ordinateur, et c’est ce même ordinateur qui exécutera le</a:t>
+            </a:r>
+            <a:br/>
+            <a:r>
+              <a:t>modèle d’IA de reconnaissance faciale. Les données de la caméra n’ont donc même pas besoin de</a:t>
+            </a:r>
+            <a:br/>
+            <a:r>
+              <a:t>passer par Internet, elles sont directement traitées sur place. Ce système a l’avantage de</a:t>
+            </a:r>
+            <a:br/>
+            <a:r>
+              <a:t>fonctionner sans connexion à un réseau, et n’a aucune latence.</a:t>
             </a:r>
           </a:p>
         </p:txBody>
@@ -4981,6 +5105,15 @@
 </file>
 
 <file path=customXml/item1.xml><?xml version="1.0" encoding="utf-8"?>
+<?mso-contentType ?>
+<FormTemplates xmlns="http://schemas.microsoft.com/sharepoint/v3/contenttype/forms">
+  <Display>DocumentLibraryForm</Display>
+  <Edit>DocumentLibraryForm</Edit>
+  <New>DocumentLibraryForm</New>
+</FormTemplates>
+</file>
+
+<file path=customXml/item2.xml><?xml version="1.0" encoding="utf-8"?>
 <p:properties xmlns:p="http://schemas.microsoft.com/office/2006/metadata/properties" xmlns:xsi="http://www.w3.org/2001/XMLSchema-instance" xmlns:pc="http://schemas.microsoft.com/office/infopath/2007/PartnerControls">
   <documentManagement>
     <lcf76f155ced4ddcb4097134ff3c332f xmlns="81c9f6d7-38be-4b6f-ac7a-53278e4778cd">
@@ -4989,15 +5122,6 @@
     <TaxCatchAll xmlns="562370e7-b28b-48b8-b232-8034dde365ed" xsi:nil="true"/>
   </documentManagement>
 </p:properties>
-</file>
-
-<file path=customXml/item2.xml><?xml version="1.0" encoding="utf-8"?>
-<?mso-contentType ?>
-<FormTemplates xmlns="http://schemas.microsoft.com/sharepoint/v3/contenttype/forms">
-  <Display>DocumentLibraryForm</Display>
-  <Edit>DocumentLibraryForm</Edit>
-  <New>DocumentLibraryForm</New>
-</FormTemplates>
 </file>
 
 <file path=customXml/item3.xml><?xml version="1.0" encoding="utf-8"?>
@@ -5238,6 +5362,14 @@
 </file>
 
 <file path=customXml/itemProps1.xml><?xml version="1.0" encoding="utf-8"?>
+<ds:datastoreItem xmlns:ds="http://schemas.openxmlformats.org/officeDocument/2006/customXml" ds:itemID="{4E8F74D5-47AA-4DAD-A3A5-90C8113106BE}">
+  <ds:schemaRefs>
+    <ds:schemaRef ds:uri="http://schemas.microsoft.com/sharepoint/v3/contenttype/forms"/>
+  </ds:schemaRefs>
+</ds:datastoreItem>
+</file>
+
+<file path=customXml/itemProps2.xml><?xml version="1.0" encoding="utf-8"?>
 <ds:datastoreItem xmlns:ds="http://schemas.openxmlformats.org/officeDocument/2006/customXml" ds:itemID="{AB088F19-0CAF-4A60-81E5-18DF993328EF}">
   <ds:schemaRefs>
     <ds:schemaRef ds:uri="http://schemas.microsoft.com/office/2006/metadata/properties"/>
@@ -5250,14 +5382,6 @@
     <ds:schemaRef ds:uri="562370e7-b28b-48b8-b232-8034dde365ed"/>
     <ds:schemaRef ds:uri="81c9f6d7-38be-4b6f-ac7a-53278e4778cd"/>
     <ds:schemaRef ds:uri="http://www.w3.org/XML/1998/namespace"/>
-  </ds:schemaRefs>
-</ds:datastoreItem>
-</file>
-
-<file path=customXml/itemProps2.xml><?xml version="1.0" encoding="utf-8"?>
-<ds:datastoreItem xmlns:ds="http://schemas.openxmlformats.org/officeDocument/2006/customXml" ds:itemID="{4E8F74D5-47AA-4DAD-A3A5-90C8113106BE}">
-  <ds:schemaRefs>
-    <ds:schemaRef ds:uri="http://schemas.microsoft.com/sharepoint/v3/contenttype/forms"/>
   </ds:schemaRefs>
 </ds:datastoreItem>
 </file>
